--- a/doc/Ali_Kaba.pptx
+++ b/doc/Ali_Kaba.pptx
@@ -5,12 +5,13 @@
     <p:sldMasterId id="2147483840" r:id="rId1"/>
   </p:sldMasterIdLst>
   <p:notesMasterIdLst>
-    <p:notesMasterId r:id="rId5"/>
+    <p:notesMasterId r:id="rId6"/>
   </p:notesMasterIdLst>
   <p:sldIdLst>
     <p:sldId id="256" r:id="rId2"/>
     <p:sldId id="257" r:id="rId3"/>
     <p:sldId id="258" r:id="rId4"/>
+    <p:sldId id="259" r:id="rId5"/>
   </p:sldIdLst>
   <p:sldSz cx="12192000" cy="6858000"/>
   <p:notesSz cx="6858000" cy="9144000"/>
@@ -678,6 +679,115 @@
     <p:extLst>
       <p:ext uri="{BB962C8B-B14F-4D97-AF65-F5344CB8AC3E}">
         <p14:creationId xmlns:p14="http://schemas.microsoft.com/office/powerpoint/2010/main" val="3370906773"/>
+      </p:ext>
+    </p:extLst>
+  </p:cSld>
+  <p:clrMapOvr>
+    <a:masterClrMapping/>
+  </p:clrMapOvr>
+</p:notes>
+</file>
+
+<file path=ppt/notesSlides/notesSlide3.xml><?xml version="1.0" encoding="utf-8"?>
+<p:notes xmlns:a="http://schemas.openxmlformats.org/drawingml/2006/main" xmlns:r="http://schemas.openxmlformats.org/officeDocument/2006/relationships" xmlns:p="http://schemas.openxmlformats.org/presentationml/2006/main">
+  <p:cSld>
+    <p:spTree>
+      <p:nvGrpSpPr>
+        <p:cNvPr id="1" name=""/>
+        <p:cNvGrpSpPr/>
+        <p:nvPr/>
+      </p:nvGrpSpPr>
+      <p:grpSpPr>
+        <a:xfrm>
+          <a:off x="0" y="0"/>
+          <a:ext cx="0" cy="0"/>
+          <a:chOff x="0" y="0"/>
+          <a:chExt cx="0" cy="0"/>
+        </a:xfrm>
+      </p:grpSpPr>
+      <p:sp>
+        <p:nvSpPr>
+          <p:cNvPr id="2" name="Slide Image Placeholder 1"/>
+          <p:cNvSpPr>
+            <a:spLocks noGrp="1" noRot="1" noChangeAspect="1"/>
+          </p:cNvSpPr>
+          <p:nvPr>
+            <p:ph type="sldImg"/>
+          </p:nvPr>
+        </p:nvSpPr>
+        <p:spPr/>
+      </p:sp>
+      <p:sp>
+        <p:nvSpPr>
+          <p:cNvPr id="3" name="Notes Placeholder 2"/>
+          <p:cNvSpPr>
+            <a:spLocks noGrp="1"/>
+          </p:cNvSpPr>
+          <p:nvPr>
+            <p:ph type="body" idx="1"/>
+          </p:nvPr>
+        </p:nvSpPr>
+        <p:spPr/>
+        <p:txBody>
+          <a:bodyPr/>
+          <a:lstStyle/>
+          <a:p>
+            <a:r>
+              <a:rPr lang="en-US" dirty="0" smtClean="0"/>
+              <a:t>Reset</a:t>
+            </a:r>
+            <a:r>
+              <a:rPr lang="en-US" baseline="0" dirty="0" smtClean="0"/>
+              <a:t> password</a:t>
+            </a:r>
+          </a:p>
+          <a:p>
+            <a:r>
+              <a:rPr lang="en-US" baseline="0" dirty="0" smtClean="0"/>
+              <a:t>Sign in </a:t>
+            </a:r>
+            <a:r>
+              <a:rPr lang="en-US" baseline="0" smtClean="0"/>
+              <a:t>pet process</a:t>
+            </a:r>
+            <a:endParaRPr lang="en-US" baseline="0" dirty="0" smtClean="0"/>
+          </a:p>
+          <a:p>
+            <a:r>
+              <a:rPr lang="en-US" baseline="0" dirty="0" smtClean="0"/>
+              <a:t>Delete uploaded document mechanism?</a:t>
+            </a:r>
+            <a:endParaRPr lang="en-US" dirty="0"/>
+          </a:p>
+        </p:txBody>
+      </p:sp>
+      <p:sp>
+        <p:nvSpPr>
+          <p:cNvPr id="4" name="Slide Number Placeholder 3"/>
+          <p:cNvSpPr>
+            <a:spLocks noGrp="1"/>
+          </p:cNvSpPr>
+          <p:nvPr>
+            <p:ph type="sldNum" sz="quarter" idx="10"/>
+          </p:nvPr>
+        </p:nvSpPr>
+        <p:spPr/>
+        <p:txBody>
+          <a:bodyPr/>
+          <a:lstStyle/>
+          <a:p>
+            <a:fld id="{90B9C05F-DDED-4E40-B8D1-5485C7FB0733}" type="slidenum">
+              <a:rPr lang="en-US" smtClean="0"/>
+              <a:t>4</a:t>
+            </a:fld>
+            <a:endParaRPr lang="en-US"/>
+          </a:p>
+        </p:txBody>
+      </p:sp>
+    </p:spTree>
+    <p:extLst>
+      <p:ext uri="{BB962C8B-B14F-4D97-AF65-F5344CB8AC3E}">
+        <p14:creationId xmlns:p14="http://schemas.microsoft.com/office/powerpoint/2010/main" val="2315632041"/>
       </p:ext>
     </p:extLst>
   </p:cSld>
@@ -4123,6 +4233,78 @@
     <p:extLst>
       <p:ext uri="{BB962C8B-B14F-4D97-AF65-F5344CB8AC3E}">
         <p14:creationId xmlns:p14="http://schemas.microsoft.com/office/powerpoint/2010/main" val="168404600"/>
+      </p:ext>
+    </p:extLst>
+  </p:cSld>
+  <p:clrMapOvr>
+    <a:masterClrMapping/>
+  </p:clrMapOvr>
+</p:sld>
+</file>
+
+<file path=ppt/slides/slide4.xml><?xml version="1.0" encoding="utf-8"?>
+<p:sld xmlns:a="http://schemas.openxmlformats.org/drawingml/2006/main" xmlns:r="http://schemas.openxmlformats.org/officeDocument/2006/relationships" xmlns:p="http://schemas.openxmlformats.org/presentationml/2006/main">
+  <p:cSld>
+    <p:spTree>
+      <p:nvGrpSpPr>
+        <p:cNvPr id="1" name=""/>
+        <p:cNvGrpSpPr/>
+        <p:nvPr/>
+      </p:nvGrpSpPr>
+      <p:grpSpPr>
+        <a:xfrm>
+          <a:off x="0" y="0"/>
+          <a:ext cx="0" cy="0"/>
+          <a:chOff x="0" y="0"/>
+          <a:chExt cx="0" cy="0"/>
+        </a:xfrm>
+      </p:grpSpPr>
+      <p:sp>
+        <p:nvSpPr>
+          <p:cNvPr id="2" name="Title 1"/>
+          <p:cNvSpPr>
+            <a:spLocks noGrp="1"/>
+          </p:cNvSpPr>
+          <p:nvPr>
+            <p:ph type="title"/>
+          </p:nvPr>
+        </p:nvSpPr>
+        <p:spPr/>
+        <p:txBody>
+          <a:bodyPr/>
+          <a:lstStyle/>
+          <a:p>
+            <a:r>
+              <a:rPr lang="en-US" dirty="0" smtClean="0"/>
+              <a:t>enhancements</a:t>
+            </a:r>
+            <a:endParaRPr lang="en-US" dirty="0"/>
+          </a:p>
+        </p:txBody>
+      </p:sp>
+      <p:sp>
+        <p:nvSpPr>
+          <p:cNvPr id="3" name="Content Placeholder 2"/>
+          <p:cNvSpPr>
+            <a:spLocks noGrp="1"/>
+          </p:cNvSpPr>
+          <p:nvPr>
+            <p:ph idx="1"/>
+          </p:nvPr>
+        </p:nvSpPr>
+        <p:spPr/>
+        <p:txBody>
+          <a:bodyPr/>
+          <a:lstStyle/>
+          <a:p>
+            <a:endParaRPr lang="en-US"/>
+          </a:p>
+        </p:txBody>
+      </p:sp>
+    </p:spTree>
+    <p:extLst>
+      <p:ext uri="{BB962C8B-B14F-4D97-AF65-F5344CB8AC3E}">
+        <p14:creationId xmlns:p14="http://schemas.microsoft.com/office/powerpoint/2010/main" val="2347473079"/>
       </p:ext>
     </p:extLst>
   </p:cSld>

--- a/doc/Ali_Kaba.pptx
+++ b/doc/Ali_Kaba.pptx
@@ -2,16 +2,17 @@
 <file path=ppt/presentation.xml><?xml version="1.0" encoding="utf-8"?>
 <p:presentation xmlns:a="http://schemas.openxmlformats.org/drawingml/2006/main" xmlns:r="http://schemas.openxmlformats.org/officeDocument/2006/relationships" xmlns:p="http://schemas.openxmlformats.org/presentationml/2006/main" autoCompressPictures="0">
   <p:sldMasterIdLst>
-    <p:sldMasterId id="2147483840" r:id="rId1"/>
+    <p:sldMasterId id="2147483852" r:id="rId1"/>
   </p:sldMasterIdLst>
   <p:notesMasterIdLst>
-    <p:notesMasterId r:id="rId6"/>
+    <p:notesMasterId r:id="rId7"/>
   </p:notesMasterIdLst>
   <p:sldIdLst>
     <p:sldId id="256" r:id="rId2"/>
-    <p:sldId id="257" r:id="rId3"/>
-    <p:sldId id="258" r:id="rId4"/>
-    <p:sldId id="259" r:id="rId5"/>
+    <p:sldId id="260" r:id="rId3"/>
+    <p:sldId id="261" r:id="rId4"/>
+    <p:sldId id="257" r:id="rId5"/>
+    <p:sldId id="262" r:id="rId6"/>
   </p:sldIdLst>
   <p:sldSz cx="12192000" cy="6858000"/>
   <p:notesSz cx="6858000" cy="9144000"/>
@@ -200,7 +201,7 @@
           <a:p>
             <a:fld id="{9D49740A-F51B-4A96-A3F2-FEFC6DC4F735}" type="datetimeFigureOut">
               <a:rPr lang="en-US" smtClean="0"/>
-              <a:t>3/5/2016</a:t>
+              <a:t>3/6/2016</a:t>
             </a:fld>
             <a:endParaRPr lang="en-US"/>
           </a:p>
@@ -518,9 +519,61 @@
             </a:r>
             <a:r>
               <a:rPr lang="en-US" baseline="0" dirty="0" smtClean="0"/>
-              <a:t> Foundation Concepts. CIA triad AIC triad</a:t>
-            </a:r>
-            <a:endParaRPr lang="en-US" dirty="0"/>
+              <a:t> Foundation Concepts. CIA triad AIC </a:t>
+            </a:r>
+            <a:r>
+              <a:rPr lang="en-US" baseline="0" dirty="0" smtClean="0"/>
+              <a:t>triad</a:t>
+            </a:r>
+          </a:p>
+          <a:p>
+            <a:r>
+              <a:rPr lang="en-US" dirty="0" smtClean="0"/>
+              <a:t>Session</a:t>
+            </a:r>
+            <a:br>
+              <a:rPr lang="en-US" dirty="0" smtClean="0"/>
+            </a:br>
+            <a:r>
+              <a:rPr lang="en-US" sz="1200" b="0" kern="1200" dirty="0" smtClean="0">
+                <a:solidFill>
+                  <a:schemeClr val="tx1"/>
+                </a:solidFill>
+                <a:effectLst/>
+                <a:latin typeface="+mn-lt"/>
+                <a:ea typeface="+mn-ea"/>
+                <a:cs typeface="+mn-cs"/>
+              </a:rPr>
+              <a:t>How to Create Bulletproof Sessions</a:t>
+            </a:r>
+            <a:endParaRPr lang="en-US" dirty="0" smtClean="0"/>
+          </a:p>
+          <a:p>
+            <a:r>
+              <a:rPr lang="en-US" dirty="0" smtClean="0"/>
+              <a:t>http://blog.teamtreehouse.com/how-to-create-bulletproof-sessions</a:t>
+            </a:r>
+          </a:p>
+          <a:p>
+            <a:endParaRPr lang="en-US" dirty="0" smtClean="0"/>
+          </a:p>
+          <a:p>
+            <a:r>
+              <a:rPr lang="en-US" dirty="0" smtClean="0"/>
+              <a:t>http://hueniverse.com/2015/07/08/on-securing-web-session-ids/</a:t>
+            </a:r>
+          </a:p>
+          <a:p>
+            <a:endParaRPr lang="en-US" dirty="0" smtClean="0"/>
+          </a:p>
+          <a:p>
+            <a:r>
+              <a:rPr lang="en-US" dirty="0" smtClean="0"/>
+              <a:t>https://solutionfactor.net/blog/2014/02/08/implementing-session-timeout-with-php/</a:t>
+            </a:r>
+          </a:p>
+          <a:p>
+            <a:endParaRPr lang="en-US" baseline="0" dirty="0" smtClean="0"/>
           </a:p>
         </p:txBody>
       </p:sp>
@@ -541,7 +594,7 @@
           <a:p>
             <a:fld id="{90B9C05F-DDED-4E40-B8D1-5485C7FB0733}" type="slidenum">
               <a:rPr lang="en-US" smtClean="0"/>
-              <a:t>2</a:t>
+              <a:t>4</a:t>
             </a:fld>
             <a:endParaRPr lang="en-US"/>
           </a:p>
@@ -560,245 +613,8 @@
 </p:notes>
 </file>
 
-<file path=ppt/notesSlides/notesSlide2.xml><?xml version="1.0" encoding="utf-8"?>
-<p:notes xmlns:a="http://schemas.openxmlformats.org/drawingml/2006/main" xmlns:r="http://schemas.openxmlformats.org/officeDocument/2006/relationships" xmlns:p="http://schemas.openxmlformats.org/presentationml/2006/main">
-  <p:cSld>
-    <p:spTree>
-      <p:nvGrpSpPr>
-        <p:cNvPr id="1" name=""/>
-        <p:cNvGrpSpPr/>
-        <p:nvPr/>
-      </p:nvGrpSpPr>
-      <p:grpSpPr>
-        <a:xfrm>
-          <a:off x="0" y="0"/>
-          <a:ext cx="0" cy="0"/>
-          <a:chOff x="0" y="0"/>
-          <a:chExt cx="0" cy="0"/>
-        </a:xfrm>
-      </p:grpSpPr>
-      <p:sp>
-        <p:nvSpPr>
-          <p:cNvPr id="2" name="Slide Image Placeholder 1"/>
-          <p:cNvSpPr>
-            <a:spLocks noGrp="1" noRot="1" noChangeAspect="1"/>
-          </p:cNvSpPr>
-          <p:nvPr>
-            <p:ph type="sldImg"/>
-          </p:nvPr>
-        </p:nvSpPr>
-        <p:spPr/>
-      </p:sp>
-      <p:sp>
-        <p:nvSpPr>
-          <p:cNvPr id="3" name="Notes Placeholder 2"/>
-          <p:cNvSpPr>
-            <a:spLocks noGrp="1"/>
-          </p:cNvSpPr>
-          <p:nvPr>
-            <p:ph type="body" idx="1"/>
-          </p:nvPr>
-        </p:nvSpPr>
-        <p:spPr/>
-        <p:txBody>
-          <a:bodyPr/>
-          <a:lstStyle/>
-          <a:p>
-            <a:r>
-              <a:rPr lang="en-US" dirty="0" smtClean="0"/>
-              <a:t>Session</a:t>
-            </a:r>
-            <a:br>
-              <a:rPr lang="en-US" dirty="0" smtClean="0"/>
-            </a:br>
-            <a:r>
-              <a:rPr lang="en-US" sz="1200" b="0" kern="1200" dirty="0" smtClean="0">
-                <a:solidFill>
-                  <a:schemeClr val="tx1"/>
-                </a:solidFill>
-                <a:effectLst/>
-                <a:latin typeface="+mn-lt"/>
-                <a:ea typeface="+mn-ea"/>
-                <a:cs typeface="+mn-cs"/>
-              </a:rPr>
-              <a:t>How to Create Bulletproof Sessions</a:t>
-            </a:r>
-            <a:endParaRPr lang="en-US" dirty="0" smtClean="0"/>
-          </a:p>
-          <a:p>
-            <a:r>
-              <a:rPr lang="en-US" dirty="0" smtClean="0"/>
-              <a:t>http://blog.teamtreehouse.com/how-to-create-bulletproof-sessions</a:t>
-            </a:r>
-          </a:p>
-          <a:p>
-            <a:endParaRPr lang="en-US" dirty="0" smtClean="0"/>
-          </a:p>
-          <a:p>
-            <a:r>
-              <a:rPr lang="en-US" dirty="0" smtClean="0"/>
-              <a:t>http://hueniverse.com/2015/07/08/on-securing-web-session-ids/</a:t>
-            </a:r>
-          </a:p>
-          <a:p>
-            <a:endParaRPr lang="en-US" dirty="0" smtClean="0"/>
-          </a:p>
-          <a:p>
-            <a:r>
-              <a:rPr lang="en-US" smtClean="0"/>
-              <a:t>https://solutionfactor.net/blog/2014/02/08/implementing-session-timeout-with-php/</a:t>
-            </a:r>
-            <a:endParaRPr lang="en-US" dirty="0"/>
-          </a:p>
-        </p:txBody>
-      </p:sp>
-      <p:sp>
-        <p:nvSpPr>
-          <p:cNvPr id="4" name="Slide Number Placeholder 3"/>
-          <p:cNvSpPr>
-            <a:spLocks noGrp="1"/>
-          </p:cNvSpPr>
-          <p:nvPr>
-            <p:ph type="sldNum" sz="quarter" idx="10"/>
-          </p:nvPr>
-        </p:nvSpPr>
-        <p:spPr/>
-        <p:txBody>
-          <a:bodyPr/>
-          <a:lstStyle/>
-          <a:p>
-            <a:fld id="{90B9C05F-DDED-4E40-B8D1-5485C7FB0733}" type="slidenum">
-              <a:rPr lang="en-US" smtClean="0"/>
-              <a:t>3</a:t>
-            </a:fld>
-            <a:endParaRPr lang="en-US"/>
-          </a:p>
-        </p:txBody>
-      </p:sp>
-    </p:spTree>
-    <p:extLst>
-      <p:ext uri="{BB962C8B-B14F-4D97-AF65-F5344CB8AC3E}">
-        <p14:creationId xmlns:p14="http://schemas.microsoft.com/office/powerpoint/2010/main" val="3370906773"/>
-      </p:ext>
-    </p:extLst>
-  </p:cSld>
-  <p:clrMapOvr>
-    <a:masterClrMapping/>
-  </p:clrMapOvr>
-</p:notes>
-</file>
-
-<file path=ppt/notesSlides/notesSlide3.xml><?xml version="1.0" encoding="utf-8"?>
-<p:notes xmlns:a="http://schemas.openxmlformats.org/drawingml/2006/main" xmlns:r="http://schemas.openxmlformats.org/officeDocument/2006/relationships" xmlns:p="http://schemas.openxmlformats.org/presentationml/2006/main">
-  <p:cSld>
-    <p:spTree>
-      <p:nvGrpSpPr>
-        <p:cNvPr id="1" name=""/>
-        <p:cNvGrpSpPr/>
-        <p:nvPr/>
-      </p:nvGrpSpPr>
-      <p:grpSpPr>
-        <a:xfrm>
-          <a:off x="0" y="0"/>
-          <a:ext cx="0" cy="0"/>
-          <a:chOff x="0" y="0"/>
-          <a:chExt cx="0" cy="0"/>
-        </a:xfrm>
-      </p:grpSpPr>
-      <p:sp>
-        <p:nvSpPr>
-          <p:cNvPr id="2" name="Slide Image Placeholder 1"/>
-          <p:cNvSpPr>
-            <a:spLocks noGrp="1" noRot="1" noChangeAspect="1"/>
-          </p:cNvSpPr>
-          <p:nvPr>
-            <p:ph type="sldImg"/>
-          </p:nvPr>
-        </p:nvSpPr>
-        <p:spPr/>
-      </p:sp>
-      <p:sp>
-        <p:nvSpPr>
-          <p:cNvPr id="3" name="Notes Placeholder 2"/>
-          <p:cNvSpPr>
-            <a:spLocks noGrp="1"/>
-          </p:cNvSpPr>
-          <p:nvPr>
-            <p:ph type="body" idx="1"/>
-          </p:nvPr>
-        </p:nvSpPr>
-        <p:spPr/>
-        <p:txBody>
-          <a:bodyPr/>
-          <a:lstStyle/>
-          <a:p>
-            <a:r>
-              <a:rPr lang="en-US" dirty="0" smtClean="0"/>
-              <a:t>Reset</a:t>
-            </a:r>
-            <a:r>
-              <a:rPr lang="en-US" baseline="0" dirty="0" smtClean="0"/>
-              <a:t> password</a:t>
-            </a:r>
-          </a:p>
-          <a:p>
-            <a:r>
-              <a:rPr lang="en-US" baseline="0" dirty="0" smtClean="0"/>
-              <a:t>Sign in </a:t>
-            </a:r>
-            <a:r>
-              <a:rPr lang="en-US" baseline="0" smtClean="0"/>
-              <a:t>pet process</a:t>
-            </a:r>
-            <a:endParaRPr lang="en-US" baseline="0" dirty="0" smtClean="0"/>
-          </a:p>
-          <a:p>
-            <a:r>
-              <a:rPr lang="en-US" baseline="0" dirty="0" smtClean="0"/>
-              <a:t>Delete uploaded document mechanism?</a:t>
-            </a:r>
-            <a:endParaRPr lang="en-US" dirty="0"/>
-          </a:p>
-        </p:txBody>
-      </p:sp>
-      <p:sp>
-        <p:nvSpPr>
-          <p:cNvPr id="4" name="Slide Number Placeholder 3"/>
-          <p:cNvSpPr>
-            <a:spLocks noGrp="1"/>
-          </p:cNvSpPr>
-          <p:nvPr>
-            <p:ph type="sldNum" sz="quarter" idx="10"/>
-          </p:nvPr>
-        </p:nvSpPr>
-        <p:spPr/>
-        <p:txBody>
-          <a:bodyPr/>
-          <a:lstStyle/>
-          <a:p>
-            <a:fld id="{90B9C05F-DDED-4E40-B8D1-5485C7FB0733}" type="slidenum">
-              <a:rPr lang="en-US" smtClean="0"/>
-              <a:t>4</a:t>
-            </a:fld>
-            <a:endParaRPr lang="en-US"/>
-          </a:p>
-        </p:txBody>
-      </p:sp>
-    </p:spTree>
-    <p:extLst>
-      <p:ext uri="{BB962C8B-B14F-4D97-AF65-F5344CB8AC3E}">
-        <p14:creationId xmlns:p14="http://schemas.microsoft.com/office/powerpoint/2010/main" val="2315632041"/>
-      </p:ext>
-    </p:extLst>
-  </p:cSld>
-  <p:clrMapOvr>
-    <a:masterClrMapping/>
-  </p:clrMapOvr>
-</p:notes>
-</file>
-
 <file path=ppt/slideLayouts/slideLayout1.xml><?xml version="1.0" encoding="utf-8"?>
-<p:sldLayout xmlns:a="http://schemas.openxmlformats.org/drawingml/2006/main" xmlns:r="http://schemas.openxmlformats.org/officeDocument/2006/relationships" xmlns:p="http://schemas.openxmlformats.org/presentationml/2006/main" showMasterSp="0" type="title" preserve="1">
+<p:sldLayout xmlns:a="http://schemas.openxmlformats.org/drawingml/2006/main" xmlns:r="http://schemas.openxmlformats.org/officeDocument/2006/relationships" xmlns:p="http://schemas.openxmlformats.org/presentationml/2006/main" type="title" preserve="1">
   <p:cSld name="Title Slide">
     <p:spTree>
       <p:nvGrpSpPr>
@@ -816,183 +632,90 @@
       </p:grpSpPr>
       <p:sp>
         <p:nvSpPr>
-          <p:cNvPr id="7" name="Rectangle 6"/>
-          <p:cNvSpPr/>
-          <p:nvPr/>
+          <p:cNvPr id="2" name="Title 1"/>
+          <p:cNvSpPr>
+            <a:spLocks noGrp="1"/>
+          </p:cNvSpPr>
+          <p:nvPr>
+            <p:ph type="ctrTitle"/>
+          </p:nvPr>
         </p:nvSpPr>
         <p:spPr>
           <a:xfrm>
-            <a:off x="0" y="761999"/>
-            <a:ext cx="9141619" cy="5334001"/>
+            <a:off x="1524000" y="1122363"/>
+            <a:ext cx="9144000" cy="2387600"/>
           </a:xfrm>
-          <a:prstGeom prst="rect">
-            <a:avLst/>
-          </a:prstGeom>
-          <a:solidFill>
-            <a:schemeClr val="accent1"/>
-          </a:solidFill>
-          <a:ln>
-            <a:noFill/>
-          </a:ln>
         </p:spPr>
-        <p:style>
-          <a:lnRef idx="2">
-            <a:schemeClr val="accent1">
-              <a:shade val="50000"/>
-            </a:schemeClr>
-          </a:lnRef>
-          <a:fillRef idx="1">
-            <a:schemeClr val="accent1"/>
-          </a:fillRef>
-          <a:effectRef idx="0">
-            <a:schemeClr val="accent1"/>
-          </a:effectRef>
-          <a:fontRef idx="minor">
-            <a:schemeClr val="lt1"/>
-          </a:fontRef>
-        </p:style>
-      </p:sp>
-      <p:sp>
-        <p:nvSpPr>
-          <p:cNvPr id="8" name="Rectangle 7"/>
-          <p:cNvSpPr/>
-          <p:nvPr/>
+        <p:txBody>
+          <a:bodyPr anchor="b"/>
+          <a:lstStyle>
+            <a:lvl1pPr algn="ctr">
+              <a:defRPr sz="6000"/>
+            </a:lvl1pPr>
+          </a:lstStyle>
+          <a:p>
+            <a:r>
+              <a:rPr lang="en-US" smtClean="0"/>
+              <a:t>Click to edit Master title style</a:t>
+            </a:r>
+            <a:endParaRPr lang="en-US"/>
+          </a:p>
+        </p:txBody>
+      </p:sp>
+      <p:sp>
+        <p:nvSpPr>
+          <p:cNvPr id="3" name="Subtitle 2"/>
+          <p:cNvSpPr>
+            <a:spLocks noGrp="1"/>
+          </p:cNvSpPr>
+          <p:nvPr>
+            <p:ph type="subTitle" idx="1"/>
+          </p:nvPr>
         </p:nvSpPr>
         <p:spPr>
           <a:xfrm>
-            <a:off x="9270263" y="761999"/>
-            <a:ext cx="2925318" cy="5334001"/>
-          </a:xfrm>
-          <a:prstGeom prst="rect">
-            <a:avLst/>
-          </a:prstGeom>
-          <a:solidFill>
-            <a:srgbClr val="C8C8C8">
-              <a:alpha val="50000"/>
-            </a:srgbClr>
-          </a:solidFill>
-          <a:ln>
-            <a:noFill/>
-          </a:ln>
-        </p:spPr>
-        <p:style>
-          <a:lnRef idx="2">
-            <a:schemeClr val="accent1">
-              <a:shade val="50000"/>
-            </a:schemeClr>
-          </a:lnRef>
-          <a:fillRef idx="1">
-            <a:schemeClr val="accent1"/>
-          </a:fillRef>
-          <a:effectRef idx="0">
-            <a:schemeClr val="accent1"/>
-          </a:effectRef>
-          <a:fontRef idx="minor">
-            <a:schemeClr val="lt1"/>
-          </a:fontRef>
-        </p:style>
-      </p:sp>
-      <p:sp>
-        <p:nvSpPr>
-          <p:cNvPr id="2" name="Title 1"/>
-          <p:cNvSpPr>
-            <a:spLocks noGrp="1"/>
-          </p:cNvSpPr>
-          <p:nvPr>
-            <p:ph type="ctrTitle"/>
-          </p:nvPr>
-        </p:nvSpPr>
-        <p:spPr>
-          <a:xfrm>
-            <a:off x="1069848" y="1298448"/>
-            <a:ext cx="7315200" cy="3255264"/>
+            <a:off x="1524000" y="3602038"/>
+            <a:ext cx="9144000" cy="1655762"/>
           </a:xfrm>
         </p:spPr>
         <p:txBody>
-          <a:bodyPr anchor="b">
-            <a:normAutofit/>
-          </a:bodyPr>
+          <a:bodyPr/>
           <a:lstStyle>
-            <a:lvl1pPr algn="l">
-              <a:defRPr sz="5900" spc="-100" baseline="0">
-                <a:solidFill>
-                  <a:srgbClr val="FFFFFF"/>
-                </a:solidFill>
-              </a:defRPr>
-            </a:lvl1pPr>
-          </a:lstStyle>
-          <a:p>
-            <a:r>
-              <a:rPr lang="en-US" smtClean="0"/>
-              <a:t>Click to edit Master title style</a:t>
-            </a:r>
-            <a:endParaRPr lang="en-US" dirty="0"/>
-          </a:p>
-        </p:txBody>
-      </p:sp>
-      <p:sp>
-        <p:nvSpPr>
-          <p:cNvPr id="3" name="Subtitle 2"/>
-          <p:cNvSpPr>
-            <a:spLocks noGrp="1"/>
-          </p:cNvSpPr>
-          <p:nvPr>
-            <p:ph type="subTitle" idx="1"/>
-          </p:nvPr>
-        </p:nvSpPr>
-        <p:spPr>
-          <a:xfrm>
-            <a:off x="1100015" y="4670246"/>
-            <a:ext cx="7315200" cy="914400"/>
-          </a:xfrm>
-        </p:spPr>
-        <p:txBody>
-          <a:bodyPr anchor="t">
-            <a:normAutofit/>
-          </a:bodyPr>
-          <a:lstStyle>
-            <a:lvl1pPr marL="0" indent="0" algn="l">
-              <a:buNone/>
-              <a:defRPr sz="2200" cap="none" spc="0" baseline="0">
-                <a:solidFill>
-                  <a:schemeClr val="accent1">
-                    <a:lumMod val="20000"/>
-                    <a:lumOff val="80000"/>
-                  </a:schemeClr>
-                </a:solidFill>
-              </a:defRPr>
+            <a:lvl1pPr marL="0" indent="0" algn="ctr">
+              <a:buNone/>
+              <a:defRPr sz="2400"/>
             </a:lvl1pPr>
             <a:lvl2pPr marL="457200" indent="0" algn="ctr">
               <a:buNone/>
-              <a:defRPr sz="2200"/>
+              <a:defRPr sz="2000"/>
             </a:lvl2pPr>
             <a:lvl3pPr marL="914400" indent="0" algn="ctr">
               <a:buNone/>
-              <a:defRPr sz="2200"/>
+              <a:defRPr sz="1800"/>
             </a:lvl3pPr>
             <a:lvl4pPr marL="1371600" indent="0" algn="ctr">
               <a:buNone/>
-              <a:defRPr sz="2000"/>
+              <a:defRPr sz="1600"/>
             </a:lvl4pPr>
             <a:lvl5pPr marL="1828800" indent="0" algn="ctr">
               <a:buNone/>
-              <a:defRPr sz="2000"/>
+              <a:defRPr sz="1600"/>
             </a:lvl5pPr>
             <a:lvl6pPr marL="2286000" indent="0" algn="ctr">
               <a:buNone/>
-              <a:defRPr sz="2000"/>
+              <a:defRPr sz="1600"/>
             </a:lvl6pPr>
             <a:lvl7pPr marL="2743200" indent="0" algn="ctr">
               <a:buNone/>
-              <a:defRPr sz="2000"/>
+              <a:defRPr sz="1600"/>
             </a:lvl7pPr>
             <a:lvl8pPr marL="3200400" indent="0" algn="ctr">
               <a:buNone/>
-              <a:defRPr sz="2000"/>
+              <a:defRPr sz="1600"/>
             </a:lvl8pPr>
             <a:lvl9pPr marL="3657600" indent="0" algn="ctr">
               <a:buNone/>
-              <a:defRPr sz="2000"/>
+              <a:defRPr sz="1600"/>
             </a:lvl9pPr>
           </a:lstStyle>
           <a:p>
@@ -1000,7 +723,7 @@
               <a:rPr lang="en-US" smtClean="0"/>
               <a:t>Click to edit Master subtitle style</a:t>
             </a:r>
-            <a:endParaRPr lang="en-US" dirty="0"/>
+            <a:endParaRPr lang="en-US"/>
           </a:p>
         </p:txBody>
       </p:sp>
@@ -1020,9 +743,9 @@
           <a:lstStyle/>
           <a:p>
             <a:fld id="{5586B75A-687E-405C-8A0B-8D00578BA2C3}" type="datetimeFigureOut">
-              <a:rPr lang="en-US" dirty="0"/>
+              <a:rPr lang="en-US" smtClean="0"/>
               <a:pPr/>
-              <a:t>3/5/2016</a:t>
+              <a:t>3/6/2016</a:t>
             </a:fld>
             <a:endParaRPr lang="en-US" dirty="0"/>
           </a:p>
@@ -1063,7 +786,7 @@
           <a:lstStyle/>
           <a:p>
             <a:fld id="{4FAB73BC-B049-4115-A692-8D63A059BFB8}" type="slidenum">
-              <a:rPr lang="en-US" dirty="0"/>
+              <a:rPr lang="en-US" smtClean="0"/>
               <a:pPr/>
               <a:t>‹#›</a:t>
             </a:fld>
@@ -1072,6 +795,11 @@
         </p:txBody>
       </p:sp>
     </p:spTree>
+    <p:extLst>
+      <p:ext uri="{BB962C8B-B14F-4D97-AF65-F5344CB8AC3E}">
+        <p14:creationId xmlns:p14="http://schemas.microsoft.com/office/powerpoint/2010/main" val="885496236"/>
+      </p:ext>
+    </p:extLst>
   </p:cSld>
   <p:clrMapOvr>
     <a:masterClrMapping/>
@@ -1115,7 +843,7 @@
               <a:rPr lang="en-US" smtClean="0"/>
               <a:t>Click to edit Master title style</a:t>
             </a:r>
-            <a:endParaRPr lang="en-US" dirty="0"/>
+            <a:endParaRPr lang="en-US"/>
           </a:p>
         </p:txBody>
       </p:sp>
@@ -1131,7 +859,7 @@
         </p:nvSpPr>
         <p:spPr/>
         <p:txBody>
-          <a:bodyPr vert="eaVert" anchor="t"/>
+          <a:bodyPr vert="eaVert"/>
           <a:lstStyle/>
           <a:p>
             <a:pPr lvl="0"/>
@@ -1167,13 +895,13 @@
               <a:rPr lang="en-US" smtClean="0"/>
               <a:t>Fifth level</a:t>
             </a:r>
-            <a:endParaRPr lang="en-US" dirty="0"/>
-          </a:p>
-        </p:txBody>
-      </p:sp>
-      <p:sp>
-        <p:nvSpPr>
-          <p:cNvPr id="7" name="Date Placeholder 6"/>
+            <a:endParaRPr lang="en-US"/>
+          </a:p>
+        </p:txBody>
+      </p:sp>
+      <p:sp>
+        <p:nvSpPr>
+          <p:cNvPr id="4" name="Date Placeholder 3"/>
           <p:cNvSpPr>
             <a:spLocks noGrp="1"/>
           </p:cNvSpPr>
@@ -1187,9 +915,9 @@
           <a:lstStyle/>
           <a:p>
             <a:fld id="{5586B75A-687E-405C-8A0B-8D00578BA2C3}" type="datetimeFigureOut">
-              <a:rPr lang="en-US" dirty="0"/>
+              <a:rPr lang="en-US" smtClean="0"/>
               <a:pPr/>
-              <a:t>3/5/2016</a:t>
+              <a:t>3/6/2016</a:t>
             </a:fld>
             <a:endParaRPr lang="en-US" dirty="0"/>
           </a:p>
@@ -1197,7 +925,7 @@
       </p:sp>
       <p:sp>
         <p:nvSpPr>
-          <p:cNvPr id="8" name="Footer Placeholder 7"/>
+          <p:cNvPr id="5" name="Footer Placeholder 4"/>
           <p:cNvSpPr>
             <a:spLocks noGrp="1"/>
           </p:cNvSpPr>
@@ -1216,7 +944,7 @@
       </p:sp>
       <p:sp>
         <p:nvSpPr>
-          <p:cNvPr id="9" name="Slide Number Placeholder 8"/>
+          <p:cNvPr id="6" name="Slide Number Placeholder 5"/>
           <p:cNvSpPr>
             <a:spLocks noGrp="1"/>
           </p:cNvSpPr>
@@ -1230,7 +958,7 @@
           <a:lstStyle/>
           <a:p>
             <a:fld id="{4FAB73BC-B049-4115-A692-8D63A059BFB8}" type="slidenum">
-              <a:rPr lang="en-US" dirty="0"/>
+              <a:rPr lang="en-US" smtClean="0"/>
               <a:pPr/>
               <a:t>‹#›</a:t>
             </a:fld>
@@ -1239,6 +967,11 @@
         </p:txBody>
       </p:sp>
     </p:spTree>
+    <p:extLst>
+      <p:ext uri="{BB962C8B-B14F-4D97-AF65-F5344CB8AC3E}">
+        <p14:creationId xmlns:p14="http://schemas.microsoft.com/office/powerpoint/2010/main" val="3476221810"/>
+      </p:ext>
+    </p:extLst>
   </p:cSld>
   <p:clrMapOvr>
     <a:masterClrMapping/>
@@ -1275,8 +1008,8 @@
         </p:nvSpPr>
         <p:spPr>
           <a:xfrm>
-            <a:off x="381000" y="990600"/>
-            <a:ext cx="2819400" cy="4953000"/>
+            <a:off x="8724900" y="365125"/>
+            <a:ext cx="2628900" cy="5811838"/>
           </a:xfrm>
         </p:spPr>
         <p:txBody>
@@ -1287,7 +1020,7 @@
               <a:rPr lang="en-US" smtClean="0"/>
               <a:t>Click to edit Master title style</a:t>
             </a:r>
-            <a:endParaRPr lang="en-US" dirty="0"/>
+            <a:endParaRPr lang="en-US"/>
           </a:p>
         </p:txBody>
       </p:sp>
@@ -1303,12 +1036,12 @@
         </p:nvSpPr>
         <p:spPr>
           <a:xfrm>
-            <a:off x="3867912" y="868680"/>
-            <a:ext cx="7315200" cy="5120640"/>
+            <a:off x="838200" y="365125"/>
+            <a:ext cx="7734300" cy="5811838"/>
           </a:xfrm>
         </p:spPr>
         <p:txBody>
-          <a:bodyPr vert="eaVert" anchor="t"/>
+          <a:bodyPr vert="eaVert"/>
           <a:lstStyle/>
           <a:p>
             <a:pPr lvl="0"/>
@@ -1344,13 +1077,13 @@
               <a:rPr lang="en-US" smtClean="0"/>
               <a:t>Fifth level</a:t>
             </a:r>
-            <a:endParaRPr lang="en-US" dirty="0"/>
-          </a:p>
-        </p:txBody>
-      </p:sp>
-      <p:sp>
-        <p:nvSpPr>
-          <p:cNvPr id="7" name="Date Placeholder 6"/>
+            <a:endParaRPr lang="en-US"/>
+          </a:p>
+        </p:txBody>
+      </p:sp>
+      <p:sp>
+        <p:nvSpPr>
+          <p:cNvPr id="4" name="Date Placeholder 3"/>
           <p:cNvSpPr>
             <a:spLocks noGrp="1"/>
           </p:cNvSpPr>
@@ -1364,9 +1097,9 @@
           <a:lstStyle/>
           <a:p>
             <a:fld id="{5586B75A-687E-405C-8A0B-8D00578BA2C3}" type="datetimeFigureOut">
-              <a:rPr lang="en-US" dirty="0"/>
+              <a:rPr lang="en-US" smtClean="0"/>
               <a:pPr/>
-              <a:t>3/5/2016</a:t>
+              <a:t>3/6/2016</a:t>
             </a:fld>
             <a:endParaRPr lang="en-US" dirty="0"/>
           </a:p>
@@ -1374,7 +1107,7 @@
       </p:sp>
       <p:sp>
         <p:nvSpPr>
-          <p:cNvPr id="8" name="Footer Placeholder 7"/>
+          <p:cNvPr id="5" name="Footer Placeholder 4"/>
           <p:cNvSpPr>
             <a:spLocks noGrp="1"/>
           </p:cNvSpPr>
@@ -1393,7 +1126,7 @@
       </p:sp>
       <p:sp>
         <p:nvSpPr>
-          <p:cNvPr id="9" name="Slide Number Placeholder 8"/>
+          <p:cNvPr id="6" name="Slide Number Placeholder 5"/>
           <p:cNvSpPr>
             <a:spLocks noGrp="1"/>
           </p:cNvSpPr>
@@ -1407,7 +1140,7 @@
           <a:lstStyle/>
           <a:p>
             <a:fld id="{4FAB73BC-B049-4115-A692-8D63A059BFB8}" type="slidenum">
-              <a:rPr lang="en-US" dirty="0"/>
+              <a:rPr lang="en-US" smtClean="0"/>
               <a:pPr/>
               <a:t>‹#›</a:t>
             </a:fld>
@@ -1416,6 +1149,11 @@
         </p:txBody>
       </p:sp>
     </p:spTree>
+    <p:extLst>
+      <p:ext uri="{BB962C8B-B14F-4D97-AF65-F5344CB8AC3E}">
+        <p14:creationId xmlns:p14="http://schemas.microsoft.com/office/powerpoint/2010/main" val="226197912"/>
+      </p:ext>
+    </p:extLst>
   </p:cSld>
   <p:clrMapOvr>
     <a:masterClrMapping/>
@@ -1459,7 +1197,7 @@
               <a:rPr lang="en-US" smtClean="0"/>
               <a:t>Click to edit Master title style</a:t>
             </a:r>
-            <a:endParaRPr lang="en-US" dirty="0"/>
+            <a:endParaRPr lang="en-US"/>
           </a:p>
         </p:txBody>
       </p:sp>
@@ -1511,7 +1249,7 @@
               <a:rPr lang="en-US" smtClean="0"/>
               <a:t>Fifth level</a:t>
             </a:r>
-            <a:endParaRPr lang="en-US" dirty="0"/>
+            <a:endParaRPr lang="en-US"/>
           </a:p>
         </p:txBody>
       </p:sp>
@@ -1531,9 +1269,9 @@
           <a:lstStyle/>
           <a:p>
             <a:fld id="{5586B75A-687E-405C-8A0B-8D00578BA2C3}" type="datetimeFigureOut">
-              <a:rPr lang="en-US" dirty="0"/>
+              <a:rPr lang="en-US" smtClean="0"/>
               <a:pPr/>
-              <a:t>3/5/2016</a:t>
+              <a:t>3/6/2016</a:t>
             </a:fld>
             <a:endParaRPr lang="en-US" dirty="0"/>
           </a:p>
@@ -1574,7 +1312,7 @@
           <a:lstStyle/>
           <a:p>
             <a:fld id="{4FAB73BC-B049-4115-A692-8D63A059BFB8}" type="slidenum">
-              <a:rPr lang="en-US" dirty="0"/>
+              <a:rPr lang="en-US" smtClean="0"/>
               <a:pPr/>
               <a:t>‹#›</a:t>
             </a:fld>
@@ -1583,6 +1321,11 @@
         </p:txBody>
       </p:sp>
     </p:spTree>
+    <p:extLst>
+      <p:ext uri="{BB962C8B-B14F-4D97-AF65-F5344CB8AC3E}">
+        <p14:creationId xmlns:p14="http://schemas.microsoft.com/office/powerpoint/2010/main" val="2249800238"/>
+      </p:ext>
+    </p:extLst>
   </p:cSld>
   <p:clrMapOvr>
     <a:masterClrMapping/>
@@ -1619,70 +1362,58 @@
         </p:nvSpPr>
         <p:spPr>
           <a:xfrm>
-            <a:off x="3867912" y="1298448"/>
-            <a:ext cx="7315200" cy="3255264"/>
+            <a:off x="831850" y="1709738"/>
+            <a:ext cx="10515600" cy="2852737"/>
           </a:xfrm>
         </p:spPr>
         <p:txBody>
-          <a:bodyPr anchor="b">
-            <a:normAutofit/>
-          </a:bodyPr>
+          <a:bodyPr anchor="b"/>
           <a:lstStyle>
             <a:lvl1pPr>
-              <a:defRPr sz="5900" b="0" spc="-100" baseline="0">
+              <a:defRPr sz="6000"/>
+            </a:lvl1pPr>
+          </a:lstStyle>
+          <a:p>
+            <a:r>
+              <a:rPr lang="en-US" smtClean="0"/>
+              <a:t>Click to edit Master title style</a:t>
+            </a:r>
+            <a:endParaRPr lang="en-US"/>
+          </a:p>
+        </p:txBody>
+      </p:sp>
+      <p:sp>
+        <p:nvSpPr>
+          <p:cNvPr id="3" name="Text Placeholder 2"/>
+          <p:cNvSpPr>
+            <a:spLocks noGrp="1"/>
+          </p:cNvSpPr>
+          <p:nvPr>
+            <p:ph type="body" idx="1"/>
+          </p:nvPr>
+        </p:nvSpPr>
+        <p:spPr>
+          <a:xfrm>
+            <a:off x="831850" y="4589463"/>
+            <a:ext cx="10515600" cy="1500187"/>
+          </a:xfrm>
+        </p:spPr>
+        <p:txBody>
+          <a:bodyPr/>
+          <a:lstStyle>
+            <a:lvl1pPr marL="0" indent="0">
+              <a:buNone/>
+              <a:defRPr sz="2400">
                 <a:solidFill>
                   <a:schemeClr val="tx1">
-                    <a:lumMod val="65000"/>
-                    <a:lumOff val="35000"/>
-                  </a:schemeClr>
-                </a:solidFill>
-              </a:defRPr>
-            </a:lvl1pPr>
-          </a:lstStyle>
-          <a:p>
-            <a:r>
-              <a:rPr lang="en-US" smtClean="0"/>
-              <a:t>Click to edit Master title style</a:t>
-            </a:r>
-            <a:endParaRPr lang="en-US" dirty="0"/>
-          </a:p>
-        </p:txBody>
-      </p:sp>
-      <p:sp>
-        <p:nvSpPr>
-          <p:cNvPr id="3" name="Text Placeholder 2"/>
-          <p:cNvSpPr>
-            <a:spLocks noGrp="1"/>
-          </p:cNvSpPr>
-          <p:nvPr>
-            <p:ph type="body" idx="1"/>
-          </p:nvPr>
-        </p:nvSpPr>
-        <p:spPr>
-          <a:xfrm>
-            <a:off x="3886200" y="4672584"/>
-            <a:ext cx="7315200" cy="914400"/>
-          </a:xfrm>
-        </p:spPr>
-        <p:txBody>
-          <a:bodyPr anchor="t">
-            <a:normAutofit/>
-          </a:bodyPr>
-          <a:lstStyle>
-            <a:lvl1pPr marL="0" indent="0">
-              <a:buNone/>
-              <a:defRPr sz="2200" cap="none" spc="0" baseline="0">
-                <a:solidFill>
-                  <a:schemeClr val="tx1">
-                    <a:lumMod val="65000"/>
-                    <a:lumOff val="35000"/>
+                    <a:tint val="75000"/>
                   </a:schemeClr>
                 </a:solidFill>
               </a:defRPr>
             </a:lvl1pPr>
             <a:lvl2pPr marL="457200" indent="0">
               <a:buNone/>
-              <a:defRPr sz="1800">
+              <a:defRPr sz="2000">
                 <a:solidFill>
                   <a:schemeClr val="tx1">
                     <a:tint val="75000"/>
@@ -1692,7 +1423,7 @@
             </a:lvl2pPr>
             <a:lvl3pPr marL="914400" indent="0">
               <a:buNone/>
-              <a:defRPr sz="1600">
+              <a:defRPr sz="1800">
                 <a:solidFill>
                   <a:schemeClr val="tx1">
                     <a:tint val="75000"/>
@@ -1702,7 +1433,7 @@
             </a:lvl3pPr>
             <a:lvl4pPr marL="1371600" indent="0">
               <a:buNone/>
-              <a:defRPr sz="1400">
+              <a:defRPr sz="1600">
                 <a:solidFill>
                   <a:schemeClr val="tx1">
                     <a:tint val="75000"/>
@@ -1712,7 +1443,7 @@
             </a:lvl4pPr>
             <a:lvl5pPr marL="1828800" indent="0">
               <a:buNone/>
-              <a:defRPr sz="1400">
+              <a:defRPr sz="1600">
                 <a:solidFill>
                   <a:schemeClr val="tx1">
                     <a:tint val="75000"/>
@@ -1722,7 +1453,7 @@
             </a:lvl5pPr>
             <a:lvl6pPr marL="2286000" indent="0">
               <a:buNone/>
-              <a:defRPr sz="1400">
+              <a:defRPr sz="1600">
                 <a:solidFill>
                   <a:schemeClr val="tx1">
                     <a:tint val="75000"/>
@@ -1732,7 +1463,7 @@
             </a:lvl6pPr>
             <a:lvl7pPr marL="2743200" indent="0">
               <a:buNone/>
-              <a:defRPr sz="1400">
+              <a:defRPr sz="1600">
                 <a:solidFill>
                   <a:schemeClr val="tx1">
                     <a:tint val="75000"/>
@@ -1742,7 +1473,7 @@
             </a:lvl7pPr>
             <a:lvl8pPr marL="3200400" indent="0">
               <a:buNone/>
-              <a:defRPr sz="1400">
+              <a:defRPr sz="1600">
                 <a:solidFill>
                   <a:schemeClr val="tx1">
                     <a:tint val="75000"/>
@@ -1752,7 +1483,7 @@
             </a:lvl8pPr>
             <a:lvl9pPr marL="3657600" indent="0">
               <a:buNone/>
-              <a:defRPr sz="1400">
+              <a:defRPr sz="1600">
                 <a:solidFill>
                   <a:schemeClr val="tx1">
                     <a:tint val="75000"/>
@@ -1786,9 +1517,9 @@
           <a:lstStyle/>
           <a:p>
             <a:fld id="{5586B75A-687E-405C-8A0B-8D00578BA2C3}" type="datetimeFigureOut">
-              <a:rPr lang="en-US" dirty="0"/>
+              <a:rPr lang="en-US" smtClean="0"/>
               <a:pPr/>
-              <a:t>3/5/2016</a:t>
+              <a:t>3/6/2016</a:t>
             </a:fld>
             <a:endParaRPr lang="en-US" dirty="0"/>
           </a:p>
@@ -1829,7 +1560,7 @@
           <a:lstStyle/>
           <a:p>
             <a:fld id="{4FAB73BC-B049-4115-A692-8D63A059BFB8}" type="slidenum">
-              <a:rPr lang="en-US" dirty="0"/>
+              <a:rPr lang="en-US" smtClean="0"/>
               <a:pPr/>
               <a:t>‹#›</a:t>
             </a:fld>
@@ -1838,6 +1569,11 @@
         </p:txBody>
       </p:sp>
     </p:spTree>
+    <p:extLst>
+      <p:ext uri="{BB962C8B-B14F-4D97-AF65-F5344CB8AC3E}">
+        <p14:creationId xmlns:p14="http://schemas.microsoft.com/office/powerpoint/2010/main" val="4269853050"/>
+      </p:ext>
+    </p:extLst>
   </p:cSld>
   <p:clrMapOvr>
     <a:masterClrMapping/>
@@ -1881,7 +1617,7 @@
               <a:rPr lang="en-US" smtClean="0"/>
               <a:t>Click to edit Master title style</a:t>
             </a:r>
-            <a:endParaRPr lang="en-US" dirty="0"/>
+            <a:endParaRPr lang="en-US"/>
           </a:p>
         </p:txBody>
       </p:sp>
@@ -1897,41 +1633,13 @@
         </p:nvSpPr>
         <p:spPr>
           <a:xfrm>
-            <a:off x="3867912" y="868680"/>
-            <a:ext cx="3474720" cy="5120640"/>
+            <a:off x="838200" y="1825625"/>
+            <a:ext cx="5181600" cy="4351338"/>
           </a:xfrm>
         </p:spPr>
         <p:txBody>
           <a:bodyPr/>
-          <a:lstStyle>
-            <a:lvl1pPr>
-              <a:defRPr sz="2000"/>
-            </a:lvl1pPr>
-            <a:lvl2pPr>
-              <a:defRPr sz="1800"/>
-            </a:lvl2pPr>
-            <a:lvl3pPr>
-              <a:defRPr sz="1600"/>
-            </a:lvl3pPr>
-            <a:lvl4pPr>
-              <a:defRPr sz="1400"/>
-            </a:lvl4pPr>
-            <a:lvl5pPr>
-              <a:defRPr sz="1400"/>
-            </a:lvl5pPr>
-            <a:lvl6pPr>
-              <a:defRPr sz="1400"/>
-            </a:lvl6pPr>
-            <a:lvl7pPr>
-              <a:defRPr sz="1400"/>
-            </a:lvl7pPr>
-            <a:lvl8pPr>
-              <a:defRPr sz="1400"/>
-            </a:lvl8pPr>
-            <a:lvl9pPr>
-              <a:defRPr sz="1400"/>
-            </a:lvl9pPr>
-          </a:lstStyle>
+          <a:lstStyle/>
           <a:p>
             <a:pPr lvl="0"/>
             <a:r>
@@ -1966,7 +1674,7 @@
               <a:rPr lang="en-US" smtClean="0"/>
               <a:t>Fifth level</a:t>
             </a:r>
-            <a:endParaRPr lang="en-US" dirty="0"/>
+            <a:endParaRPr lang="en-US"/>
           </a:p>
         </p:txBody>
       </p:sp>
@@ -1982,41 +1690,13 @@
         </p:nvSpPr>
         <p:spPr>
           <a:xfrm>
-            <a:off x="7818120" y="868680"/>
-            <a:ext cx="3474720" cy="5120640"/>
+            <a:off x="6172200" y="1825625"/>
+            <a:ext cx="5181600" cy="4351338"/>
           </a:xfrm>
         </p:spPr>
         <p:txBody>
           <a:bodyPr/>
-          <a:lstStyle>
-            <a:lvl1pPr>
-              <a:defRPr sz="2000"/>
-            </a:lvl1pPr>
-            <a:lvl2pPr>
-              <a:defRPr sz="1800"/>
-            </a:lvl2pPr>
-            <a:lvl3pPr>
-              <a:defRPr sz="1600"/>
-            </a:lvl3pPr>
-            <a:lvl4pPr>
-              <a:defRPr sz="1400"/>
-            </a:lvl4pPr>
-            <a:lvl5pPr>
-              <a:defRPr sz="1400"/>
-            </a:lvl5pPr>
-            <a:lvl6pPr>
-              <a:defRPr sz="1400"/>
-            </a:lvl6pPr>
-            <a:lvl7pPr>
-              <a:defRPr sz="1400"/>
-            </a:lvl7pPr>
-            <a:lvl8pPr>
-              <a:defRPr sz="1400"/>
-            </a:lvl8pPr>
-            <a:lvl9pPr>
-              <a:defRPr sz="1400"/>
-            </a:lvl9pPr>
-          </a:lstStyle>
+          <a:lstStyle/>
           <a:p>
             <a:pPr lvl="0"/>
             <a:r>
@@ -2051,13 +1731,13 @@
               <a:rPr lang="en-US" smtClean="0"/>
               <a:t>Fifth level</a:t>
             </a:r>
-            <a:endParaRPr lang="en-US" dirty="0"/>
-          </a:p>
-        </p:txBody>
-      </p:sp>
-      <p:sp>
-        <p:nvSpPr>
-          <p:cNvPr id="8" name="Date Placeholder 7"/>
+            <a:endParaRPr lang="en-US"/>
+          </a:p>
+        </p:txBody>
+      </p:sp>
+      <p:sp>
+        <p:nvSpPr>
+          <p:cNvPr id="5" name="Date Placeholder 4"/>
           <p:cNvSpPr>
             <a:spLocks noGrp="1"/>
           </p:cNvSpPr>
@@ -2071,9 +1751,9 @@
           <a:lstStyle/>
           <a:p>
             <a:fld id="{5586B75A-687E-405C-8A0B-8D00578BA2C3}" type="datetimeFigureOut">
-              <a:rPr lang="en-US" dirty="0"/>
+              <a:rPr lang="en-US" smtClean="0"/>
               <a:pPr/>
-              <a:t>3/5/2016</a:t>
+              <a:t>3/6/2016</a:t>
             </a:fld>
             <a:endParaRPr lang="en-US" dirty="0"/>
           </a:p>
@@ -2081,7 +1761,7 @@
       </p:sp>
       <p:sp>
         <p:nvSpPr>
-          <p:cNvPr id="9" name="Footer Placeholder 8"/>
+          <p:cNvPr id="6" name="Footer Placeholder 5"/>
           <p:cNvSpPr>
             <a:spLocks noGrp="1"/>
           </p:cNvSpPr>
@@ -2100,7 +1780,7 @@
       </p:sp>
       <p:sp>
         <p:nvSpPr>
-          <p:cNvPr id="10" name="Slide Number Placeholder 9"/>
+          <p:cNvPr id="7" name="Slide Number Placeholder 6"/>
           <p:cNvSpPr>
             <a:spLocks noGrp="1"/>
           </p:cNvSpPr>
@@ -2114,7 +1794,7 @@
           <a:lstStyle/>
           <a:p>
             <a:fld id="{4FAB73BC-B049-4115-A692-8D63A059BFB8}" type="slidenum">
-              <a:rPr lang="en-US" dirty="0"/>
+              <a:rPr lang="en-US" smtClean="0"/>
               <a:pPr/>
               <a:t>‹#›</a:t>
             </a:fld>
@@ -2123,6 +1803,11 @@
         </p:txBody>
       </p:sp>
     </p:spTree>
+    <p:extLst>
+      <p:ext uri="{BB962C8B-B14F-4D97-AF65-F5344CB8AC3E}">
+        <p14:creationId xmlns:p14="http://schemas.microsoft.com/office/powerpoint/2010/main" val="2847915581"/>
+      </p:ext>
+    </p:extLst>
   </p:cSld>
   <p:clrMapOvr>
     <a:masterClrMapping/>
@@ -2149,61 +1834,54 @@
       </p:grpSpPr>
       <p:sp>
         <p:nvSpPr>
-          <p:cNvPr id="10" name="Title 9"/>
+          <p:cNvPr id="2" name="Title 1"/>
           <p:cNvSpPr>
             <a:spLocks noGrp="1"/>
           </p:cNvSpPr>
           <p:nvPr>
             <p:ph type="title"/>
-          </p:nvPr>
-        </p:nvSpPr>
-        <p:spPr/>
-        <p:txBody>
-          <a:bodyPr/>
-          <a:lstStyle/>
-          <a:p>
-            <a:r>
-              <a:rPr lang="en-US" smtClean="0"/>
-              <a:t>Click to edit Master title style</a:t>
-            </a:r>
-            <a:endParaRPr lang="en-US" dirty="0"/>
-          </a:p>
-        </p:txBody>
-      </p:sp>
-      <p:sp>
-        <p:nvSpPr>
-          <p:cNvPr id="3" name="Text Placeholder 2"/>
-          <p:cNvSpPr>
-            <a:spLocks noGrp="1"/>
-          </p:cNvSpPr>
-          <p:nvPr>
-            <p:ph type="body" idx="1"/>
           </p:nvPr>
         </p:nvSpPr>
         <p:spPr>
           <a:xfrm>
-            <a:off x="3867912" y="1023586"/>
-            <a:ext cx="3474720" cy="807720"/>
+            <a:off x="839788" y="365125"/>
+            <a:ext cx="10515600" cy="1325563"/>
           </a:xfrm>
         </p:spPr>
         <p:txBody>
-          <a:bodyPr anchor="b">
-            <a:normAutofit/>
-          </a:bodyPr>
+          <a:bodyPr/>
+          <a:lstStyle/>
+          <a:p>
+            <a:r>
+              <a:rPr lang="en-US" smtClean="0"/>
+              <a:t>Click to edit Master title style</a:t>
+            </a:r>
+            <a:endParaRPr lang="en-US"/>
+          </a:p>
+        </p:txBody>
+      </p:sp>
+      <p:sp>
+        <p:nvSpPr>
+          <p:cNvPr id="3" name="Text Placeholder 2"/>
+          <p:cNvSpPr>
+            <a:spLocks noGrp="1"/>
+          </p:cNvSpPr>
+          <p:nvPr>
+            <p:ph type="body" idx="1"/>
+          </p:nvPr>
+        </p:nvSpPr>
+        <p:spPr>
+          <a:xfrm>
+            <a:off x="839788" y="1681163"/>
+            <a:ext cx="5157787" cy="823912"/>
+          </a:xfrm>
+        </p:spPr>
+        <p:txBody>
+          <a:bodyPr anchor="b"/>
           <a:lstStyle>
             <a:lvl1pPr marL="0" indent="0">
-              <a:spcBef>
-                <a:spcPts val="0"/>
-              </a:spcBef>
-              <a:buNone/>
-              <a:defRPr sz="2000" b="1">
-                <a:solidFill>
-                  <a:schemeClr val="tx1">
-                    <a:lumMod val="65000"/>
-                    <a:lumOff val="35000"/>
-                  </a:schemeClr>
-                </a:solidFill>
-              </a:defRPr>
+              <a:buNone/>
+              <a:defRPr sz="2400" b="1"/>
             </a:lvl1pPr>
             <a:lvl2pPr marL="457200" indent="0">
               <a:buNone/>
@@ -2259,41 +1937,13 @@
         </p:nvSpPr>
         <p:spPr>
           <a:xfrm>
-            <a:off x="3867912" y="1930936"/>
-            <a:ext cx="3474720" cy="4023360"/>
+            <a:off x="839788" y="2505075"/>
+            <a:ext cx="5157787" cy="3684588"/>
           </a:xfrm>
         </p:spPr>
         <p:txBody>
           <a:bodyPr/>
-          <a:lstStyle>
-            <a:lvl1pPr>
-              <a:defRPr sz="2000"/>
-            </a:lvl1pPr>
-            <a:lvl2pPr>
-              <a:defRPr sz="1800"/>
-            </a:lvl2pPr>
-            <a:lvl3pPr>
-              <a:defRPr sz="1600"/>
-            </a:lvl3pPr>
-            <a:lvl4pPr>
-              <a:defRPr sz="1400"/>
-            </a:lvl4pPr>
-            <a:lvl5pPr>
-              <a:defRPr sz="1400"/>
-            </a:lvl5pPr>
-            <a:lvl6pPr>
-              <a:defRPr sz="1400"/>
-            </a:lvl6pPr>
-            <a:lvl7pPr>
-              <a:defRPr sz="1400"/>
-            </a:lvl7pPr>
-            <a:lvl8pPr>
-              <a:defRPr sz="1400"/>
-            </a:lvl8pPr>
-            <a:lvl9pPr>
-              <a:defRPr sz="1400"/>
-            </a:lvl9pPr>
-          </a:lstStyle>
+          <a:lstStyle/>
           <a:p>
             <a:pPr lvl="0"/>
             <a:r>
@@ -2328,7 +1978,7 @@
               <a:rPr lang="en-US" smtClean="0"/>
               <a:t>Fifth level</a:t>
             </a:r>
-            <a:endParaRPr lang="en-US" dirty="0"/>
+            <a:endParaRPr lang="en-US"/>
           </a:p>
         </p:txBody>
       </p:sp>
@@ -2344,28 +1994,16 @@
         </p:nvSpPr>
         <p:spPr>
           <a:xfrm>
-            <a:off x="7818463" y="1023586"/>
-            <a:ext cx="3474720" cy="813171"/>
+            <a:off x="6172200" y="1681163"/>
+            <a:ext cx="5183188" cy="823912"/>
           </a:xfrm>
         </p:spPr>
         <p:txBody>
-          <a:bodyPr anchor="b">
-            <a:normAutofit/>
-          </a:bodyPr>
+          <a:bodyPr anchor="b"/>
           <a:lstStyle>
             <a:lvl1pPr marL="0" indent="0">
-              <a:spcBef>
-                <a:spcPts val="0"/>
-              </a:spcBef>
-              <a:buNone/>
-              <a:defRPr sz="2000" b="1">
-                <a:solidFill>
-                  <a:schemeClr val="tx1">
-                    <a:lumMod val="65000"/>
-                    <a:lumOff val="35000"/>
-                  </a:schemeClr>
-                </a:solidFill>
-              </a:defRPr>
+              <a:buNone/>
+              <a:defRPr sz="2400" b="1"/>
             </a:lvl1pPr>
             <a:lvl2pPr marL="457200" indent="0">
               <a:buNone/>
@@ -2421,41 +2059,13 @@
         </p:nvSpPr>
         <p:spPr>
           <a:xfrm>
-            <a:off x="7818463" y="1930936"/>
-            <a:ext cx="3474720" cy="4023360"/>
+            <a:off x="6172200" y="2505075"/>
+            <a:ext cx="5183188" cy="3684588"/>
           </a:xfrm>
         </p:spPr>
         <p:txBody>
           <a:bodyPr/>
-          <a:lstStyle>
-            <a:lvl1pPr>
-              <a:defRPr sz="2000"/>
-            </a:lvl1pPr>
-            <a:lvl2pPr>
-              <a:defRPr sz="1800"/>
-            </a:lvl2pPr>
-            <a:lvl3pPr>
-              <a:defRPr sz="1600"/>
-            </a:lvl3pPr>
-            <a:lvl4pPr>
-              <a:defRPr sz="1400"/>
-            </a:lvl4pPr>
-            <a:lvl5pPr>
-              <a:defRPr sz="1400"/>
-            </a:lvl5pPr>
-            <a:lvl6pPr>
-              <a:defRPr sz="1400"/>
-            </a:lvl6pPr>
-            <a:lvl7pPr>
-              <a:defRPr sz="1400"/>
-            </a:lvl7pPr>
-            <a:lvl8pPr>
-              <a:defRPr sz="1400"/>
-            </a:lvl8pPr>
-            <a:lvl9pPr>
-              <a:defRPr sz="1400"/>
-            </a:lvl9pPr>
-          </a:lstStyle>
+          <a:lstStyle/>
           <a:p>
             <a:pPr lvl="0"/>
             <a:r>
@@ -2490,13 +2100,13 @@
               <a:rPr lang="en-US" smtClean="0"/>
               <a:t>Fifth level</a:t>
             </a:r>
-            <a:endParaRPr lang="en-US" dirty="0"/>
-          </a:p>
-        </p:txBody>
-      </p:sp>
-      <p:sp>
-        <p:nvSpPr>
-          <p:cNvPr id="2" name="Date Placeholder 1"/>
+            <a:endParaRPr lang="en-US"/>
+          </a:p>
+        </p:txBody>
+      </p:sp>
+      <p:sp>
+        <p:nvSpPr>
+          <p:cNvPr id="7" name="Date Placeholder 6"/>
           <p:cNvSpPr>
             <a:spLocks noGrp="1"/>
           </p:cNvSpPr>
@@ -2510,9 +2120,9 @@
           <a:lstStyle/>
           <a:p>
             <a:fld id="{5586B75A-687E-405C-8A0B-8D00578BA2C3}" type="datetimeFigureOut">
-              <a:rPr lang="en-US" dirty="0"/>
+              <a:rPr lang="en-US" smtClean="0"/>
               <a:pPr/>
-              <a:t>3/5/2016</a:t>
+              <a:t>3/6/2016</a:t>
             </a:fld>
             <a:endParaRPr lang="en-US" dirty="0"/>
           </a:p>
@@ -2520,7 +2130,7 @@
       </p:sp>
       <p:sp>
         <p:nvSpPr>
-          <p:cNvPr id="11" name="Footer Placeholder 10"/>
+          <p:cNvPr id="8" name="Footer Placeholder 7"/>
           <p:cNvSpPr>
             <a:spLocks noGrp="1"/>
           </p:cNvSpPr>
@@ -2539,7 +2149,7 @@
       </p:sp>
       <p:sp>
         <p:nvSpPr>
-          <p:cNvPr id="12" name="Slide Number Placeholder 11"/>
+          <p:cNvPr id="9" name="Slide Number Placeholder 8"/>
           <p:cNvSpPr>
             <a:spLocks noGrp="1"/>
           </p:cNvSpPr>
@@ -2553,7 +2163,7 @@
           <a:lstStyle/>
           <a:p>
             <a:fld id="{4FAB73BC-B049-4115-A692-8D63A059BFB8}" type="slidenum">
-              <a:rPr lang="en-US" dirty="0"/>
+              <a:rPr lang="en-US" smtClean="0"/>
               <a:pPr/>
               <a:t>‹#›</a:t>
             </a:fld>
@@ -2562,6 +2172,11 @@
         </p:txBody>
       </p:sp>
     </p:spTree>
+    <p:extLst>
+      <p:ext uri="{BB962C8B-B14F-4D97-AF65-F5344CB8AC3E}">
+        <p14:creationId xmlns:p14="http://schemas.microsoft.com/office/powerpoint/2010/main" val="896944164"/>
+      </p:ext>
+    </p:extLst>
   </p:cSld>
   <p:clrMapOvr>
     <a:masterClrMapping/>
@@ -2588,7 +2203,7 @@
       </p:grpSpPr>
       <p:sp>
         <p:nvSpPr>
-          <p:cNvPr id="6" name="Title 5"/>
+          <p:cNvPr id="2" name="Title 1"/>
           <p:cNvSpPr>
             <a:spLocks noGrp="1"/>
           </p:cNvSpPr>
@@ -2605,13 +2220,13 @@
               <a:rPr lang="en-US" smtClean="0"/>
               <a:t>Click to edit Master title style</a:t>
             </a:r>
-            <a:endParaRPr lang="en-US" dirty="0"/>
-          </a:p>
-        </p:txBody>
-      </p:sp>
-      <p:sp>
-        <p:nvSpPr>
-          <p:cNvPr id="2" name="Date Placeholder 1"/>
+            <a:endParaRPr lang="en-US"/>
+          </a:p>
+        </p:txBody>
+      </p:sp>
+      <p:sp>
+        <p:nvSpPr>
+          <p:cNvPr id="3" name="Date Placeholder 2"/>
           <p:cNvSpPr>
             <a:spLocks noGrp="1"/>
           </p:cNvSpPr>
@@ -2625,9 +2240,9 @@
           <a:lstStyle/>
           <a:p>
             <a:fld id="{5586B75A-687E-405C-8A0B-8D00578BA2C3}" type="datetimeFigureOut">
-              <a:rPr lang="en-US" dirty="0"/>
+              <a:rPr lang="en-US" smtClean="0"/>
               <a:pPr/>
-              <a:t>3/5/2016</a:t>
+              <a:t>3/6/2016</a:t>
             </a:fld>
             <a:endParaRPr lang="en-US" dirty="0"/>
           </a:p>
@@ -2635,7 +2250,7 @@
       </p:sp>
       <p:sp>
         <p:nvSpPr>
-          <p:cNvPr id="7" name="Footer Placeholder 6"/>
+          <p:cNvPr id="4" name="Footer Placeholder 3"/>
           <p:cNvSpPr>
             <a:spLocks noGrp="1"/>
           </p:cNvSpPr>
@@ -2654,7 +2269,7 @@
       </p:sp>
       <p:sp>
         <p:nvSpPr>
-          <p:cNvPr id="8" name="Slide Number Placeholder 7"/>
+          <p:cNvPr id="5" name="Slide Number Placeholder 4"/>
           <p:cNvSpPr>
             <a:spLocks noGrp="1"/>
           </p:cNvSpPr>
@@ -2668,7 +2283,7 @@
           <a:lstStyle/>
           <a:p>
             <a:fld id="{4FAB73BC-B049-4115-A692-8D63A059BFB8}" type="slidenum">
-              <a:rPr lang="en-US" dirty="0"/>
+              <a:rPr lang="en-US" smtClean="0"/>
               <a:pPr/>
               <a:t>‹#›</a:t>
             </a:fld>
@@ -2677,6 +2292,11 @@
         </p:txBody>
       </p:sp>
     </p:spTree>
+    <p:extLst>
+      <p:ext uri="{BB962C8B-B14F-4D97-AF65-F5344CB8AC3E}">
+        <p14:creationId xmlns:p14="http://schemas.microsoft.com/office/powerpoint/2010/main" val="607011340"/>
+      </p:ext>
+    </p:extLst>
   </p:cSld>
   <p:clrMapOvr>
     <a:masterClrMapping/>
@@ -2685,7 +2305,7 @@
 </file>
 
 <file path=ppt/slideLayouts/slideLayout7.xml><?xml version="1.0" encoding="utf-8"?>
-<p:sldLayout xmlns:a="http://schemas.openxmlformats.org/drawingml/2006/main" xmlns:r="http://schemas.openxmlformats.org/officeDocument/2006/relationships" xmlns:p="http://schemas.openxmlformats.org/presentationml/2006/main" showMasterSp="0" type="blank" preserve="1">
+<p:sldLayout xmlns:a="http://schemas.openxmlformats.org/drawingml/2006/main" xmlns:r="http://schemas.openxmlformats.org/officeDocument/2006/relationships" xmlns:p="http://schemas.openxmlformats.org/presentationml/2006/main" type="blank" preserve="1">
   <p:cSld name="Blank">
     <p:spTree>
       <p:nvGrpSpPr>
@@ -2703,7 +2323,7 @@
       </p:grpSpPr>
       <p:sp>
         <p:nvSpPr>
-          <p:cNvPr id="5" name="Date Placeholder 4"/>
+          <p:cNvPr id="2" name="Date Placeholder 1"/>
           <p:cNvSpPr>
             <a:spLocks noGrp="1"/>
           </p:cNvSpPr>
@@ -2717,9 +2337,9 @@
           <a:lstStyle/>
           <a:p>
             <a:fld id="{5586B75A-687E-405C-8A0B-8D00578BA2C3}" type="datetimeFigureOut">
-              <a:rPr lang="en-US" dirty="0"/>
+              <a:rPr lang="en-US" smtClean="0"/>
               <a:pPr/>
-              <a:t>3/5/2016</a:t>
+              <a:t>3/6/2016</a:t>
             </a:fld>
             <a:endParaRPr lang="en-US" dirty="0"/>
           </a:p>
@@ -2727,7 +2347,7 @@
       </p:sp>
       <p:sp>
         <p:nvSpPr>
-          <p:cNvPr id="6" name="Footer Placeholder 5"/>
+          <p:cNvPr id="3" name="Footer Placeholder 2"/>
           <p:cNvSpPr>
             <a:spLocks noGrp="1"/>
           </p:cNvSpPr>
@@ -2746,7 +2366,7 @@
       </p:sp>
       <p:sp>
         <p:nvSpPr>
-          <p:cNvPr id="7" name="Slide Number Placeholder 6"/>
+          <p:cNvPr id="4" name="Slide Number Placeholder 3"/>
           <p:cNvSpPr>
             <a:spLocks noGrp="1"/>
           </p:cNvSpPr>
@@ -2760,7 +2380,7 @@
           <a:lstStyle/>
           <a:p>
             <a:fld id="{4FAB73BC-B049-4115-A692-8D63A059BFB8}" type="slidenum">
-              <a:rPr lang="en-US" dirty="0"/>
+              <a:rPr lang="en-US" smtClean="0"/>
               <a:pPr/>
               <a:t>‹#›</a:t>
             </a:fld>
@@ -2769,6 +2389,11 @@
         </p:txBody>
       </p:sp>
     </p:spTree>
+    <p:extLst>
+      <p:ext uri="{BB962C8B-B14F-4D97-AF65-F5344CB8AC3E}">
+        <p14:creationId xmlns:p14="http://schemas.microsoft.com/office/powerpoint/2010/main" val="3234756665"/>
+      </p:ext>
+    </p:extLst>
   </p:cSld>
   <p:clrMapOvr>
     <a:masterClrMapping/>
@@ -2805,17 +2430,15 @@
         </p:nvSpPr>
         <p:spPr>
           <a:xfrm>
-            <a:off x="256032" y="1143000"/>
-            <a:ext cx="2834640" cy="2377440"/>
+            <a:off x="839788" y="457200"/>
+            <a:ext cx="3932237" cy="1600200"/>
           </a:xfrm>
         </p:spPr>
         <p:txBody>
-          <a:bodyPr anchor="b">
-            <a:normAutofit/>
-          </a:bodyPr>
+          <a:bodyPr anchor="b"/>
           <a:lstStyle>
             <a:lvl1pPr>
-              <a:defRPr sz="3200" b="0" baseline="0"/>
+              <a:defRPr sz="3200"/>
             </a:lvl1pPr>
           </a:lstStyle>
           <a:p>
@@ -2823,7 +2446,7 @@
               <a:rPr lang="en-US" smtClean="0"/>
               <a:t>Click to edit Master title style</a:t>
             </a:r>
-            <a:endParaRPr lang="en-US" dirty="0"/>
+            <a:endParaRPr lang="en-US"/>
           </a:p>
         </p:txBody>
       </p:sp>
@@ -2839,39 +2462,39 @@
         </p:nvSpPr>
         <p:spPr>
           <a:xfrm>
-            <a:off x="3867912" y="868680"/>
-            <a:ext cx="7315200" cy="5120640"/>
+            <a:off x="5183188" y="987425"/>
+            <a:ext cx="6172200" cy="4873625"/>
           </a:xfrm>
         </p:spPr>
         <p:txBody>
           <a:bodyPr/>
           <a:lstStyle>
             <a:lvl1pPr>
-              <a:defRPr sz="2000"/>
+              <a:defRPr sz="3200"/>
             </a:lvl1pPr>
             <a:lvl2pPr>
-              <a:defRPr sz="1800"/>
+              <a:defRPr sz="2800"/>
             </a:lvl2pPr>
             <a:lvl3pPr>
-              <a:defRPr sz="1600"/>
+              <a:defRPr sz="2400"/>
             </a:lvl3pPr>
             <a:lvl4pPr>
-              <a:defRPr sz="1400"/>
+              <a:defRPr sz="2000"/>
             </a:lvl4pPr>
             <a:lvl5pPr>
-              <a:defRPr sz="1400"/>
+              <a:defRPr sz="2000"/>
             </a:lvl5pPr>
             <a:lvl6pPr>
-              <a:defRPr sz="1400"/>
+              <a:defRPr sz="2000"/>
             </a:lvl6pPr>
             <a:lvl7pPr>
-              <a:defRPr sz="1400"/>
+              <a:defRPr sz="2000"/>
             </a:lvl7pPr>
             <a:lvl8pPr>
-              <a:defRPr sz="1400"/>
+              <a:defRPr sz="2000"/>
             </a:lvl8pPr>
             <a:lvl9pPr>
-              <a:defRPr sz="1400"/>
+              <a:defRPr sz="2000"/>
             </a:lvl9pPr>
           </a:lstStyle>
           <a:p>
@@ -2908,7 +2531,7 @@
               <a:rPr lang="en-US" smtClean="0"/>
               <a:t>Fifth level</a:t>
             </a:r>
-            <a:endParaRPr lang="en-US" dirty="0"/>
+            <a:endParaRPr lang="en-US"/>
           </a:p>
         </p:txBody>
       </p:sp>
@@ -2924,57 +2547,48 @@
         </p:nvSpPr>
         <p:spPr>
           <a:xfrm>
-            <a:off x="256032" y="3494176"/>
-            <a:ext cx="2834640" cy="2321990"/>
+            <a:off x="839788" y="2057400"/>
+            <a:ext cx="3932237" cy="3811588"/>
           </a:xfrm>
         </p:spPr>
         <p:txBody>
-          <a:bodyPr anchor="t">
-            <a:normAutofit/>
-          </a:bodyPr>
+          <a:bodyPr/>
           <a:lstStyle>
             <a:lvl1pPr marL="0" indent="0">
-              <a:lnSpc>
-                <a:spcPct val="100000"/>
-              </a:lnSpc>
-              <a:buNone/>
-              <a:defRPr sz="1400">
-                <a:solidFill>
-                  <a:srgbClr val="FFFFFF"/>
-                </a:solidFill>
-              </a:defRPr>
+              <a:buNone/>
+              <a:defRPr sz="1600"/>
             </a:lvl1pPr>
             <a:lvl2pPr marL="457200" indent="0">
               <a:buNone/>
-              <a:defRPr sz="1200"/>
+              <a:defRPr sz="1400"/>
             </a:lvl2pPr>
             <a:lvl3pPr marL="914400" indent="0">
               <a:buNone/>
-              <a:defRPr sz="1000"/>
+              <a:defRPr sz="1200"/>
             </a:lvl3pPr>
             <a:lvl4pPr marL="1371600" indent="0">
               <a:buNone/>
-              <a:defRPr sz="900"/>
+              <a:defRPr sz="1000"/>
             </a:lvl4pPr>
             <a:lvl5pPr marL="1828800" indent="0">
               <a:buNone/>
-              <a:defRPr sz="900"/>
+              <a:defRPr sz="1000"/>
             </a:lvl5pPr>
             <a:lvl6pPr marL="2286000" indent="0">
               <a:buNone/>
-              <a:defRPr sz="900"/>
+              <a:defRPr sz="1000"/>
             </a:lvl6pPr>
             <a:lvl7pPr marL="2743200" indent="0">
               <a:buNone/>
-              <a:defRPr sz="900"/>
+              <a:defRPr sz="1000"/>
             </a:lvl7pPr>
             <a:lvl8pPr marL="3200400" indent="0">
               <a:buNone/>
-              <a:defRPr sz="900"/>
+              <a:defRPr sz="1000"/>
             </a:lvl8pPr>
             <a:lvl9pPr marL="3657600" indent="0">
               <a:buNone/>
-              <a:defRPr sz="900"/>
+              <a:defRPr sz="1000"/>
             </a:lvl9pPr>
           </a:lstStyle>
           <a:p>
@@ -2988,7 +2602,7 @@
       </p:sp>
       <p:sp>
         <p:nvSpPr>
-          <p:cNvPr id="8" name="Date Placeholder 7"/>
+          <p:cNvPr id="5" name="Date Placeholder 4"/>
           <p:cNvSpPr>
             <a:spLocks noGrp="1"/>
           </p:cNvSpPr>
@@ -3002,9 +2616,9 @@
           <a:lstStyle/>
           <a:p>
             <a:fld id="{5586B75A-687E-405C-8A0B-8D00578BA2C3}" type="datetimeFigureOut">
-              <a:rPr lang="en-US" dirty="0"/>
+              <a:rPr lang="en-US" smtClean="0"/>
               <a:pPr/>
-              <a:t>3/5/2016</a:t>
+              <a:t>3/6/2016</a:t>
             </a:fld>
             <a:endParaRPr lang="en-US" dirty="0"/>
           </a:p>
@@ -3012,7 +2626,7 @@
       </p:sp>
       <p:sp>
         <p:nvSpPr>
-          <p:cNvPr id="9" name="Footer Placeholder 8"/>
+          <p:cNvPr id="6" name="Footer Placeholder 5"/>
           <p:cNvSpPr>
             <a:spLocks noGrp="1"/>
           </p:cNvSpPr>
@@ -3031,7 +2645,7 @@
       </p:sp>
       <p:sp>
         <p:nvSpPr>
-          <p:cNvPr id="10" name="Slide Number Placeholder 9"/>
+          <p:cNvPr id="7" name="Slide Number Placeholder 6"/>
           <p:cNvSpPr>
             <a:spLocks noGrp="1"/>
           </p:cNvSpPr>
@@ -3045,7 +2659,7 @@
           <a:lstStyle/>
           <a:p>
             <a:fld id="{4FAB73BC-B049-4115-A692-8D63A059BFB8}" type="slidenum">
-              <a:rPr lang="en-US" dirty="0"/>
+              <a:rPr lang="en-US" smtClean="0"/>
               <a:pPr/>
               <a:t>‹#›</a:t>
             </a:fld>
@@ -3054,6 +2668,11 @@
         </p:txBody>
       </p:sp>
     </p:spTree>
+    <p:extLst>
+      <p:ext uri="{BB962C8B-B14F-4D97-AF65-F5344CB8AC3E}">
+        <p14:creationId xmlns:p14="http://schemas.microsoft.com/office/powerpoint/2010/main" val="1043058375"/>
+      </p:ext>
+    </p:extLst>
   </p:cSld>
   <p:clrMapOvr>
     <a:masterClrMapping/>
@@ -3090,17 +2709,15 @@
         </p:nvSpPr>
         <p:spPr>
           <a:xfrm>
-            <a:off x="256032" y="1143000"/>
-            <a:ext cx="2834640" cy="2377440"/>
+            <a:off x="839788" y="457200"/>
+            <a:ext cx="3932237" cy="1600200"/>
           </a:xfrm>
         </p:spPr>
         <p:txBody>
-          <a:bodyPr anchor="b">
-            <a:normAutofit/>
-          </a:bodyPr>
+          <a:bodyPr anchor="b"/>
           <a:lstStyle>
             <a:lvl1pPr>
-              <a:defRPr sz="3200" b="0"/>
+              <a:defRPr sz="3200"/>
             </a:lvl1pPr>
           </a:lstStyle>
           <a:p>
@@ -3108,7 +2725,7 @@
               <a:rPr lang="en-US" smtClean="0"/>
               <a:t>Click to edit Master title style</a:t>
             </a:r>
-            <a:endParaRPr lang="en-US" dirty="0"/>
+            <a:endParaRPr lang="en-US"/>
           </a:p>
         </p:txBody>
       </p:sp>
@@ -3116,7 +2733,7 @@
         <p:nvSpPr>
           <p:cNvPr id="3" name="Picture Placeholder 2"/>
           <p:cNvSpPr>
-            <a:spLocks noGrp="1" noChangeAspect="1"/>
+            <a:spLocks noGrp="1"/>
           </p:cNvSpPr>
           <p:nvPr>
             <p:ph type="pic" idx="1"/>
@@ -3124,17 +2741,12 @@
         </p:nvSpPr>
         <p:spPr>
           <a:xfrm>
-            <a:off x="3570644" y="767419"/>
-            <a:ext cx="8115230" cy="5330952"/>
+            <a:off x="5183188" y="987425"/>
+            <a:ext cx="6172200" cy="4873625"/>
           </a:xfrm>
-          <a:solidFill>
-            <a:schemeClr val="bg1">
-              <a:lumMod val="75000"/>
-            </a:schemeClr>
-          </a:solidFill>
         </p:spPr>
         <p:txBody>
-          <a:bodyPr anchor="t"/>
+          <a:bodyPr/>
           <a:lstStyle>
             <a:lvl1pPr marL="0" indent="0">
               <a:buNone/>
@@ -3174,11 +2786,7 @@
             </a:lvl9pPr>
           </a:lstStyle>
           <a:p>
-            <a:r>
-              <a:rPr lang="en-US" smtClean="0"/>
-              <a:t>Click icon to add picture</a:t>
-            </a:r>
-            <a:endParaRPr lang="en-US" dirty="0"/>
+            <a:endParaRPr lang="en-US"/>
           </a:p>
         </p:txBody>
       </p:sp>
@@ -3194,57 +2802,48 @@
         </p:nvSpPr>
         <p:spPr>
           <a:xfrm>
-            <a:off x="256032" y="3493008"/>
-            <a:ext cx="2834640" cy="2322576"/>
+            <a:off x="839788" y="2057400"/>
+            <a:ext cx="3932237" cy="3811588"/>
           </a:xfrm>
         </p:spPr>
         <p:txBody>
-          <a:bodyPr anchor="t">
-            <a:normAutofit/>
-          </a:bodyPr>
+          <a:bodyPr/>
           <a:lstStyle>
             <a:lvl1pPr marL="0" indent="0">
-              <a:lnSpc>
-                <a:spcPct val="100000"/>
-              </a:lnSpc>
-              <a:buNone/>
-              <a:defRPr sz="1400">
-                <a:solidFill>
-                  <a:srgbClr val="FFFFFF"/>
-                </a:solidFill>
-              </a:defRPr>
+              <a:buNone/>
+              <a:defRPr sz="1600"/>
             </a:lvl1pPr>
             <a:lvl2pPr marL="457200" indent="0">
               <a:buNone/>
-              <a:defRPr sz="1200"/>
+              <a:defRPr sz="1400"/>
             </a:lvl2pPr>
             <a:lvl3pPr marL="914400" indent="0">
               <a:buNone/>
-              <a:defRPr sz="1000"/>
+              <a:defRPr sz="1200"/>
             </a:lvl3pPr>
             <a:lvl4pPr marL="1371600" indent="0">
               <a:buNone/>
-              <a:defRPr sz="900"/>
+              <a:defRPr sz="1000"/>
             </a:lvl4pPr>
             <a:lvl5pPr marL="1828800" indent="0">
               <a:buNone/>
-              <a:defRPr sz="900"/>
+              <a:defRPr sz="1000"/>
             </a:lvl5pPr>
             <a:lvl6pPr marL="2286000" indent="0">
               <a:buNone/>
-              <a:defRPr sz="900"/>
+              <a:defRPr sz="1000"/>
             </a:lvl6pPr>
             <a:lvl7pPr marL="2743200" indent="0">
               <a:buNone/>
-              <a:defRPr sz="900"/>
+              <a:defRPr sz="1000"/>
             </a:lvl7pPr>
             <a:lvl8pPr marL="3200400" indent="0">
               <a:buNone/>
-              <a:defRPr sz="900"/>
+              <a:defRPr sz="1000"/>
             </a:lvl8pPr>
             <a:lvl9pPr marL="3657600" indent="0">
               <a:buNone/>
-              <a:defRPr sz="900"/>
+              <a:defRPr sz="1000"/>
             </a:lvl9pPr>
           </a:lstStyle>
           <a:p>
@@ -3258,7 +2857,7 @@
       </p:sp>
       <p:sp>
         <p:nvSpPr>
-          <p:cNvPr id="8" name="Date Placeholder 7"/>
+          <p:cNvPr id="5" name="Date Placeholder 4"/>
           <p:cNvSpPr>
             <a:spLocks noGrp="1"/>
           </p:cNvSpPr>
@@ -3272,9 +2871,9 @@
           <a:lstStyle/>
           <a:p>
             <a:fld id="{5586B75A-687E-405C-8A0B-8D00578BA2C3}" type="datetimeFigureOut">
-              <a:rPr lang="en-US" dirty="0"/>
+              <a:rPr lang="en-US" smtClean="0"/>
               <a:pPr/>
-              <a:t>3/5/2016</a:t>
+              <a:t>3/6/2016</a:t>
             </a:fld>
             <a:endParaRPr lang="en-US" dirty="0"/>
           </a:p>
@@ -3282,7 +2881,7 @@
       </p:sp>
       <p:sp>
         <p:nvSpPr>
-          <p:cNvPr id="9" name="Footer Placeholder 8"/>
+          <p:cNvPr id="6" name="Footer Placeholder 5"/>
           <p:cNvSpPr>
             <a:spLocks noGrp="1"/>
           </p:cNvSpPr>
@@ -3290,12 +2889,7 @@
             <p:ph type="ftr" sz="quarter" idx="11"/>
           </p:nvPr>
         </p:nvSpPr>
-        <p:spPr>
-          <a:xfrm>
-            <a:off x="3499101" y="6356350"/>
-            <a:ext cx="5911517" cy="365125"/>
-          </a:xfrm>
-        </p:spPr>
+        <p:spPr/>
         <p:txBody>
           <a:bodyPr/>
           <a:lstStyle/>
@@ -3306,7 +2900,7 @@
       </p:sp>
       <p:sp>
         <p:nvSpPr>
-          <p:cNvPr id="10" name="Slide Number Placeholder 9"/>
+          <p:cNvPr id="7" name="Slide Number Placeholder 6"/>
           <p:cNvSpPr>
             <a:spLocks noGrp="1"/>
           </p:cNvSpPr>
@@ -3320,7 +2914,7 @@
           <a:lstStyle/>
           <a:p>
             <a:fld id="{4FAB73BC-B049-4115-A692-8D63A059BFB8}" type="slidenum">
-              <a:rPr lang="en-US" dirty="0"/>
+              <a:rPr lang="en-US" smtClean="0"/>
               <a:pPr/>
               <a:t>‹#›</a:t>
             </a:fld>
@@ -3329,6 +2923,11 @@
         </p:txBody>
       </p:sp>
     </p:spTree>
+    <p:extLst>
+      <p:ext uri="{BB962C8B-B14F-4D97-AF65-F5344CB8AC3E}">
+        <p14:creationId xmlns:p14="http://schemas.microsoft.com/office/powerpoint/2010/main" val="4084032222"/>
+      </p:ext>
+    </p:extLst>
   </p:cSld>
   <p:clrMapOvr>
     <a:masterClrMapping/>
@@ -3360,56 +2959,18 @@
       </p:grpSpPr>
       <p:sp>
         <p:nvSpPr>
-          <p:cNvPr id="7" name="Rectangle 6"/>
-          <p:cNvSpPr/>
-          <p:nvPr/>
+          <p:cNvPr id="2" name="Title Placeholder 1"/>
+          <p:cNvSpPr>
+            <a:spLocks noGrp="1"/>
+          </p:cNvSpPr>
+          <p:nvPr>
+            <p:ph type="title"/>
+          </p:nvPr>
         </p:nvSpPr>
         <p:spPr>
           <a:xfrm>
-            <a:off x="1" y="758952"/>
-            <a:ext cx="3443590" cy="5330952"/>
-          </a:xfrm>
-          <a:prstGeom prst="rect">
-            <a:avLst/>
-          </a:prstGeom>
-          <a:solidFill>
-            <a:schemeClr val="accent1"/>
-          </a:solidFill>
-          <a:ln>
-            <a:noFill/>
-          </a:ln>
-        </p:spPr>
-        <p:style>
-          <a:lnRef idx="2">
-            <a:schemeClr val="accent1">
-              <a:shade val="50000"/>
-            </a:schemeClr>
-          </a:lnRef>
-          <a:fillRef idx="1">
-            <a:schemeClr val="accent1"/>
-          </a:fillRef>
-          <a:effectRef idx="0">
-            <a:schemeClr val="accent1"/>
-          </a:effectRef>
-          <a:fontRef idx="minor">
-            <a:schemeClr val="lt1"/>
-          </a:fontRef>
-        </p:style>
-      </p:sp>
-      <p:sp>
-        <p:nvSpPr>
-          <p:cNvPr id="2" name="Title Placeholder 1"/>
-          <p:cNvSpPr>
-            <a:spLocks noGrp="1"/>
-          </p:cNvSpPr>
-          <p:nvPr>
-            <p:ph type="title"/>
-          </p:nvPr>
-        </p:nvSpPr>
-        <p:spPr>
-          <a:xfrm>
-            <a:off x="252919" y="1123837"/>
-            <a:ext cx="2947482" cy="4601183"/>
+            <a:off x="838200" y="365125"/>
+            <a:ext cx="10515600" cy="1325563"/>
           </a:xfrm>
           <a:prstGeom prst="rect">
             <a:avLst/>
@@ -3425,71 +2986,31 @@
               <a:rPr lang="en-US" smtClean="0"/>
               <a:t>Click to edit Master title style</a:t>
             </a:r>
-            <a:endParaRPr lang="en-US" dirty="0"/>
-          </a:p>
-        </p:txBody>
-      </p:sp>
-      <p:sp>
-        <p:nvSpPr>
-          <p:cNvPr id="38" name="Rectangle 37"/>
-          <p:cNvSpPr/>
-          <p:nvPr/>
+            <a:endParaRPr lang="en-US"/>
+          </a:p>
+        </p:txBody>
+      </p:sp>
+      <p:sp>
+        <p:nvSpPr>
+          <p:cNvPr id="3" name="Text Placeholder 2"/>
+          <p:cNvSpPr>
+            <a:spLocks noGrp="1"/>
+          </p:cNvSpPr>
+          <p:nvPr>
+            <p:ph type="body" idx="1"/>
+          </p:nvPr>
         </p:nvSpPr>
         <p:spPr>
           <a:xfrm>
-            <a:off x="11815864" y="758952"/>
-            <a:ext cx="384048" cy="5330952"/>
-          </a:xfrm>
-          <a:prstGeom prst="rect">
-            <a:avLst/>
-          </a:prstGeom>
-          <a:solidFill>
-            <a:srgbClr val="C8C8C8">
-              <a:alpha val="49804"/>
-            </a:srgbClr>
-          </a:solidFill>
-          <a:ln>
-            <a:noFill/>
-          </a:ln>
-        </p:spPr>
-        <p:style>
-          <a:lnRef idx="2">
-            <a:schemeClr val="accent1">
-              <a:shade val="50000"/>
-            </a:schemeClr>
-          </a:lnRef>
-          <a:fillRef idx="1">
-            <a:schemeClr val="accent1"/>
-          </a:fillRef>
-          <a:effectRef idx="0">
-            <a:schemeClr val="accent1"/>
-          </a:effectRef>
-          <a:fontRef idx="minor">
-            <a:schemeClr val="lt1"/>
-          </a:fontRef>
-        </p:style>
-      </p:sp>
-      <p:sp>
-        <p:nvSpPr>
-          <p:cNvPr id="3" name="Text Placeholder 2"/>
-          <p:cNvSpPr>
-            <a:spLocks noGrp="1"/>
-          </p:cNvSpPr>
-          <p:nvPr>
-            <p:ph type="body" idx="1"/>
-          </p:nvPr>
-        </p:nvSpPr>
-        <p:spPr>
-          <a:xfrm>
-            <a:off x="3869268" y="864108"/>
-            <a:ext cx="7315200" cy="5120640"/>
+            <a:off x="838200" y="1825625"/>
+            <a:ext cx="10515600" cy="4351338"/>
           </a:xfrm>
           <a:prstGeom prst="rect">
             <a:avLst/>
           </a:prstGeom>
         </p:spPr>
         <p:txBody>
-          <a:bodyPr vert="horz" lIns="91440" tIns="45720" rIns="91440" bIns="45720" rtlCol="0" anchor="ctr">
+          <a:bodyPr vert="horz" lIns="91440" tIns="45720" rIns="91440" bIns="45720" rtlCol="0">
             <a:normAutofit/>
           </a:bodyPr>
           <a:lstStyle/>
@@ -3527,7 +3048,7 @@
               <a:rPr lang="en-US" smtClean="0"/>
               <a:t>Fifth level</a:t>
             </a:r>
-            <a:endParaRPr lang="en-US" dirty="0"/>
+            <a:endParaRPr lang="en-US"/>
           </a:p>
         </p:txBody>
       </p:sp>
@@ -3543,7 +3064,7 @@
         </p:nvSpPr>
         <p:spPr>
           <a:xfrm>
-            <a:off x="262465" y="6356350"/>
+            <a:off x="838200" y="6356350"/>
             <a:ext cx="2743200" cy="365125"/>
           </a:xfrm>
           <a:prstGeom prst="rect">
@@ -3554,11 +3075,10 @@
           <a:bodyPr vert="horz" lIns="91440" tIns="45720" rIns="91440" bIns="45720" rtlCol="0" anchor="ctr"/>
           <a:lstStyle>
             <a:lvl1pPr algn="l">
-              <a:defRPr sz="1100">
+              <a:defRPr sz="1200">
                 <a:solidFill>
                   <a:schemeClr val="tx1">
-                    <a:lumMod val="50000"/>
-                    <a:lumOff val="50000"/>
+                    <a:tint val="75000"/>
                   </a:schemeClr>
                 </a:solidFill>
               </a:defRPr>
@@ -3566,9 +3086,9 @@
           </a:lstStyle>
           <a:p>
             <a:fld id="{5586B75A-687E-405C-8A0B-8D00578BA2C3}" type="datetimeFigureOut">
-              <a:rPr lang="en-US" dirty="0"/>
+              <a:rPr lang="en-US" smtClean="0"/>
               <a:pPr/>
-              <a:t>3/5/2016</a:t>
+              <a:t>3/6/2016</a:t>
             </a:fld>
             <a:endParaRPr lang="en-US" dirty="0"/>
           </a:p>
@@ -3586,8 +3106,8 @@
         </p:nvSpPr>
         <p:spPr>
           <a:xfrm>
-            <a:off x="3869268" y="6356350"/>
-            <a:ext cx="5911517" cy="365125"/>
+            <a:off x="4038600" y="6356350"/>
+            <a:ext cx="4114800" cy="365125"/>
           </a:xfrm>
           <a:prstGeom prst="rect">
             <a:avLst/>
@@ -3596,12 +3116,11 @@
         <p:txBody>
           <a:bodyPr vert="horz" lIns="91440" tIns="45720" rIns="91440" bIns="45720" rtlCol="0" anchor="ctr"/>
           <a:lstStyle>
-            <a:lvl1pPr algn="l">
-              <a:defRPr sz="1100">
+            <a:lvl1pPr algn="ctr">
+              <a:defRPr sz="1200">
                 <a:solidFill>
                   <a:schemeClr val="tx1">
-                    <a:lumMod val="50000"/>
-                    <a:lumOff val="50000"/>
+                    <a:tint val="75000"/>
                   </a:schemeClr>
                 </a:solidFill>
               </a:defRPr>
@@ -3624,8 +3143,8 @@
         </p:nvSpPr>
         <p:spPr>
           <a:xfrm>
-            <a:off x="10634135" y="6356350"/>
-            <a:ext cx="1530927" cy="365125"/>
+            <a:off x="8610600" y="6356350"/>
+            <a:ext cx="2743200" cy="365125"/>
           </a:xfrm>
           <a:prstGeom prst="rect">
             <a:avLst/>
@@ -3635,16 +3154,18 @@
           <a:bodyPr vert="horz" lIns="91440" tIns="45720" rIns="91440" bIns="45720" rtlCol="0" anchor="ctr"/>
           <a:lstStyle>
             <a:lvl1pPr algn="r">
-              <a:defRPr sz="1200" b="1">
+              <a:defRPr sz="1200">
                 <a:solidFill>
-                  <a:schemeClr val="accent1"/>
+                  <a:schemeClr val="tx1">
+                    <a:tint val="75000"/>
+                  </a:schemeClr>
                 </a:solidFill>
               </a:defRPr>
             </a:lvl1pPr>
           </a:lstStyle>
           <a:p>
             <a:fld id="{4FAB73BC-B049-4115-A692-8D63A059BFB8}" type="slidenum">
-              <a:rPr lang="en-US" dirty="0"/>
+              <a:rPr lang="en-US" smtClean="0"/>
               <a:pPr/>
               <a:t>‹#›</a:t>
             </a:fld>
@@ -3653,20 +3174,25 @@
         </p:txBody>
       </p:sp>
     </p:spTree>
+    <p:extLst>
+      <p:ext uri="{BB962C8B-B14F-4D97-AF65-F5344CB8AC3E}">
+        <p14:creationId xmlns:p14="http://schemas.microsoft.com/office/powerpoint/2010/main" val="3815459078"/>
+      </p:ext>
+    </p:extLst>
   </p:cSld>
   <p:clrMap bg1="lt1" tx1="dk1" bg2="lt2" tx2="dk2" accent1="accent1" accent2="accent2" accent3="accent3" accent4="accent4" accent5="accent5" accent6="accent6" hlink="hlink" folHlink="folHlink"/>
   <p:sldLayoutIdLst>
-    <p:sldLayoutId id="2147483841" r:id="rId1"/>
-    <p:sldLayoutId id="2147483842" r:id="rId2"/>
-    <p:sldLayoutId id="2147483843" r:id="rId3"/>
-    <p:sldLayoutId id="2147483844" r:id="rId4"/>
-    <p:sldLayoutId id="2147483845" r:id="rId5"/>
-    <p:sldLayoutId id="2147483846" r:id="rId6"/>
-    <p:sldLayoutId id="2147483847" r:id="rId7"/>
-    <p:sldLayoutId id="2147483848" r:id="rId8"/>
-    <p:sldLayoutId id="2147483849" r:id="rId9"/>
-    <p:sldLayoutId id="2147483850" r:id="rId10"/>
-    <p:sldLayoutId id="2147483851" r:id="rId11"/>
+    <p:sldLayoutId id="2147483853" r:id="rId1"/>
+    <p:sldLayoutId id="2147483854" r:id="rId2"/>
+    <p:sldLayoutId id="2147483855" r:id="rId3"/>
+    <p:sldLayoutId id="2147483856" r:id="rId4"/>
+    <p:sldLayoutId id="2147483857" r:id="rId5"/>
+    <p:sldLayoutId id="2147483858" r:id="rId6"/>
+    <p:sldLayoutId id="2147483859" r:id="rId7"/>
+    <p:sldLayoutId id="2147483860" r:id="rId8"/>
+    <p:sldLayoutId id="2147483861" r:id="rId9"/>
+    <p:sldLayoutId id="2147483862" r:id="rId10"/>
+    <p:sldLayoutId id="2147483863" r:id="rId11"/>
   </p:sldLayoutIdLst>
   <p:hf sldNum="0" hdr="0" ftr="0" dt="0"/>
   <p:txStyles>
@@ -3679,9 +3205,9 @@
           <a:spcPct val="0"/>
         </a:spcBef>
         <a:buNone/>
-        <a:defRPr sz="3600" kern="1200" spc="-60" baseline="0">
+        <a:defRPr sz="4400" kern="1200">
           <a:solidFill>
-            <a:srgbClr val="FFFFFF"/>
+            <a:schemeClr val="tx1"/>
           </a:solidFill>
           <a:latin typeface="+mj-lt"/>
           <a:ea typeface="+mj-ea"/>
@@ -3690,132 +3216,90 @@
       </a:lvl1pPr>
     </p:titleStyle>
     <p:bodyStyle>
-      <a:lvl1pPr marL="182880" indent="-182880" algn="l" defTabSz="914400" rtl="0" eaLnBrk="1" latinLnBrk="0" hangingPunct="1">
+      <a:lvl1pPr marL="228600" indent="-228600" algn="l" defTabSz="914400" rtl="0" eaLnBrk="1" latinLnBrk="0" hangingPunct="1">
         <a:lnSpc>
           <a:spcPct val="90000"/>
         </a:lnSpc>
         <a:spcBef>
-          <a:spcPts val="1200"/>
+          <a:spcPts val="1000"/>
         </a:spcBef>
-        <a:buClr>
-          <a:schemeClr val="accent1"/>
-        </a:buClr>
-        <a:buFont typeface="Wingdings 2" pitchFamily="18" charset="2"/>
-        <a:buChar char=""/>
-        <a:defRPr sz="2000" kern="1200">
+        <a:buFont typeface="Arial" panose="020B0604020202020204" pitchFamily="34" charset="0"/>
+        <a:buChar char="•"/>
+        <a:defRPr sz="2800" kern="1200">
           <a:solidFill>
-            <a:schemeClr val="tx1">
-              <a:lumMod val="65000"/>
-              <a:lumOff val="35000"/>
-            </a:schemeClr>
+            <a:schemeClr val="tx1"/>
           </a:solidFill>
           <a:latin typeface="+mn-lt"/>
           <a:ea typeface="+mn-ea"/>
           <a:cs typeface="+mn-cs"/>
         </a:defRPr>
       </a:lvl1pPr>
-      <a:lvl2pPr marL="685800" indent="-182880" algn="l" defTabSz="914400" rtl="0" eaLnBrk="1" latinLnBrk="0" hangingPunct="1">
+      <a:lvl2pPr marL="685800" indent="-228600" algn="l" defTabSz="914400" rtl="0" eaLnBrk="1" latinLnBrk="0" hangingPunct="1">
         <a:lnSpc>
           <a:spcPct val="90000"/>
         </a:lnSpc>
         <a:spcBef>
-          <a:spcPts val="250"/>
+          <a:spcPts val="500"/>
         </a:spcBef>
-        <a:spcAft>
-          <a:spcPts val="250"/>
-        </a:spcAft>
-        <a:buClr>
-          <a:schemeClr val="accent1"/>
-        </a:buClr>
-        <a:buFont typeface="Wingdings 2" pitchFamily="18" charset="2"/>
-        <a:buChar char=""/>
-        <a:defRPr sz="1800" kern="1200">
+        <a:buFont typeface="Arial" panose="020B0604020202020204" pitchFamily="34" charset="0"/>
+        <a:buChar char="•"/>
+        <a:defRPr sz="2400" kern="1200">
           <a:solidFill>
-            <a:schemeClr val="tx1">
-              <a:lumMod val="65000"/>
-              <a:lumOff val="35000"/>
-            </a:schemeClr>
+            <a:schemeClr val="tx1"/>
           </a:solidFill>
           <a:latin typeface="+mn-lt"/>
           <a:ea typeface="+mn-ea"/>
           <a:cs typeface="+mn-cs"/>
         </a:defRPr>
       </a:lvl2pPr>
-      <a:lvl3pPr marL="1143000" indent="-182880" algn="l" defTabSz="914400" rtl="0" eaLnBrk="1" latinLnBrk="0" hangingPunct="1">
+      <a:lvl3pPr marL="1143000" indent="-228600" algn="l" defTabSz="914400" rtl="0" eaLnBrk="1" latinLnBrk="0" hangingPunct="1">
         <a:lnSpc>
           <a:spcPct val="90000"/>
         </a:lnSpc>
         <a:spcBef>
-          <a:spcPts val="250"/>
+          <a:spcPts val="500"/>
         </a:spcBef>
-        <a:spcAft>
-          <a:spcPts val="250"/>
-        </a:spcAft>
-        <a:buClr>
-          <a:schemeClr val="accent1"/>
-        </a:buClr>
-        <a:buFont typeface="Wingdings 2" pitchFamily="18" charset="2"/>
-        <a:buChar char=""/>
-        <a:defRPr sz="1600" kern="1200">
+        <a:buFont typeface="Arial" panose="020B0604020202020204" pitchFamily="34" charset="0"/>
+        <a:buChar char="•"/>
+        <a:defRPr sz="2000" kern="1200">
           <a:solidFill>
-            <a:schemeClr val="tx1">
-              <a:lumMod val="65000"/>
-              <a:lumOff val="35000"/>
-            </a:schemeClr>
+            <a:schemeClr val="tx1"/>
           </a:solidFill>
           <a:latin typeface="+mn-lt"/>
           <a:ea typeface="+mn-ea"/>
           <a:cs typeface="+mn-cs"/>
         </a:defRPr>
       </a:lvl3pPr>
-      <a:lvl4pPr marL="1600200" indent="-182880" algn="l" defTabSz="914400" rtl="0" eaLnBrk="1" latinLnBrk="0" hangingPunct="1">
+      <a:lvl4pPr marL="1600200" indent="-228600" algn="l" defTabSz="914400" rtl="0" eaLnBrk="1" latinLnBrk="0" hangingPunct="1">
         <a:lnSpc>
           <a:spcPct val="90000"/>
         </a:lnSpc>
         <a:spcBef>
-          <a:spcPts val="250"/>
+          <a:spcPts val="500"/>
         </a:spcBef>
-        <a:spcAft>
-          <a:spcPts val="250"/>
-        </a:spcAft>
-        <a:buClr>
-          <a:schemeClr val="accent1"/>
-        </a:buClr>
-        <a:buFont typeface="Wingdings 2" pitchFamily="18" charset="2"/>
-        <a:buChar char=""/>
-        <a:defRPr sz="1400" kern="1200">
+        <a:buFont typeface="Arial" panose="020B0604020202020204" pitchFamily="34" charset="0"/>
+        <a:buChar char="•"/>
+        <a:defRPr sz="1800" kern="1200">
           <a:solidFill>
-            <a:schemeClr val="tx1">
-              <a:lumMod val="65000"/>
-              <a:lumOff val="35000"/>
-            </a:schemeClr>
+            <a:schemeClr val="tx1"/>
           </a:solidFill>
           <a:latin typeface="+mn-lt"/>
           <a:ea typeface="+mn-ea"/>
           <a:cs typeface="+mn-cs"/>
         </a:defRPr>
       </a:lvl4pPr>
-      <a:lvl5pPr marL="2057400" indent="-182880" algn="l" defTabSz="914400" rtl="0" eaLnBrk="1" latinLnBrk="0" hangingPunct="1">
+      <a:lvl5pPr marL="2057400" indent="-228600" algn="l" defTabSz="914400" rtl="0" eaLnBrk="1" latinLnBrk="0" hangingPunct="1">
         <a:lnSpc>
           <a:spcPct val="90000"/>
         </a:lnSpc>
         <a:spcBef>
-          <a:spcPts val="250"/>
+          <a:spcPts val="500"/>
         </a:spcBef>
-        <a:spcAft>
-          <a:spcPts val="250"/>
-        </a:spcAft>
-        <a:buClr>
-          <a:schemeClr val="accent1"/>
-        </a:buClr>
-        <a:buFont typeface="Wingdings 2" pitchFamily="18" charset="2"/>
-        <a:buChar char=""/>
-        <a:defRPr sz="1400" kern="1200">
+        <a:buFont typeface="Arial" panose="020B0604020202020204" pitchFamily="34" charset="0"/>
+        <a:buChar char="•"/>
+        <a:defRPr sz="1800" kern="1200">
           <a:solidFill>
-            <a:schemeClr val="tx1">
-              <a:lumMod val="65000"/>
-              <a:lumOff val="35000"/>
-            </a:schemeClr>
+            <a:schemeClr val="tx1"/>
           </a:solidFill>
           <a:latin typeface="+mn-lt"/>
           <a:ea typeface="+mn-ea"/>
@@ -3827,22 +3311,13 @@
           <a:spcPct val="90000"/>
         </a:lnSpc>
         <a:spcBef>
-          <a:spcPts val="250"/>
+          <a:spcPts val="500"/>
         </a:spcBef>
-        <a:spcAft>
-          <a:spcPts val="250"/>
-        </a:spcAft>
-        <a:buClr>
-          <a:schemeClr val="accent1"/>
-        </a:buClr>
-        <a:buFont typeface="Wingdings 2" pitchFamily="18" charset="2"/>
-        <a:buChar char=""/>
-        <a:defRPr sz="1400" kern="1200">
+        <a:buFont typeface="Arial" panose="020B0604020202020204" pitchFamily="34" charset="0"/>
+        <a:buChar char="•"/>
+        <a:defRPr sz="1800" kern="1200">
           <a:solidFill>
-            <a:schemeClr val="tx1">
-              <a:lumMod val="65000"/>
-              <a:lumOff val="35000"/>
-            </a:schemeClr>
+            <a:schemeClr val="tx1"/>
           </a:solidFill>
           <a:latin typeface="+mn-lt"/>
           <a:ea typeface="+mn-ea"/>
@@ -3854,22 +3329,13 @@
           <a:spcPct val="90000"/>
         </a:lnSpc>
         <a:spcBef>
-          <a:spcPts val="250"/>
+          <a:spcPts val="500"/>
         </a:spcBef>
-        <a:spcAft>
-          <a:spcPts val="250"/>
-        </a:spcAft>
-        <a:buClr>
-          <a:schemeClr val="accent1"/>
-        </a:buClr>
-        <a:buFont typeface="Wingdings 2" pitchFamily="18" charset="2"/>
-        <a:buChar char=""/>
-        <a:defRPr sz="1400" kern="1200">
+        <a:buFont typeface="Arial" panose="020B0604020202020204" pitchFamily="34" charset="0"/>
+        <a:buChar char="•"/>
+        <a:defRPr sz="1800" kern="1200">
           <a:solidFill>
-            <a:schemeClr val="tx1">
-              <a:lumMod val="65000"/>
-              <a:lumOff val="35000"/>
-            </a:schemeClr>
+            <a:schemeClr val="tx1"/>
           </a:solidFill>
           <a:latin typeface="+mn-lt"/>
           <a:ea typeface="+mn-ea"/>
@@ -3881,22 +3347,13 @@
           <a:spcPct val="90000"/>
         </a:lnSpc>
         <a:spcBef>
-          <a:spcPts val="250"/>
+          <a:spcPts val="500"/>
         </a:spcBef>
-        <a:spcAft>
-          <a:spcPts val="250"/>
-        </a:spcAft>
-        <a:buClr>
-          <a:schemeClr val="accent1"/>
-        </a:buClr>
-        <a:buFont typeface="Wingdings 2" pitchFamily="18" charset="2"/>
-        <a:buChar char=""/>
-        <a:defRPr sz="1400" kern="1200">
+        <a:buFont typeface="Arial" panose="020B0604020202020204" pitchFamily="34" charset="0"/>
+        <a:buChar char="•"/>
+        <a:defRPr sz="1800" kern="1200">
           <a:solidFill>
-            <a:schemeClr val="tx1">
-              <a:lumMod val="65000"/>
-              <a:lumOff val="35000"/>
-            </a:schemeClr>
+            <a:schemeClr val="tx1"/>
           </a:solidFill>
           <a:latin typeface="+mn-lt"/>
           <a:ea typeface="+mn-ea"/>
@@ -3908,22 +3365,13 @@
           <a:spcPct val="90000"/>
         </a:lnSpc>
         <a:spcBef>
-          <a:spcPts val="250"/>
+          <a:spcPts val="500"/>
         </a:spcBef>
-        <a:spcAft>
-          <a:spcPts val="250"/>
-        </a:spcAft>
-        <a:buClr>
-          <a:schemeClr val="accent1"/>
-        </a:buClr>
-        <a:buFont typeface="Wingdings 2" pitchFamily="18" charset="2"/>
-        <a:buChar char=""/>
-        <a:defRPr sz="1400" kern="1200">
+        <a:buFont typeface="Arial" panose="020B0604020202020204" pitchFamily="34" charset="0"/>
+        <a:buChar char="•"/>
+        <a:defRPr sz="1800" kern="1200">
           <a:solidFill>
-            <a:schemeClr val="tx1">
-              <a:lumMod val="65000"/>
-              <a:lumOff val="35000"/>
-            </a:schemeClr>
+            <a:schemeClr val="tx1"/>
           </a:solidFill>
           <a:latin typeface="+mn-lt"/>
           <a:ea typeface="+mn-ea"/>
@@ -4062,6 +3510,10 @@
           <a:bodyPr/>
           <a:lstStyle/>
           <a:p>
+            <a:r>
+              <a:rPr lang="en-US" dirty="0" smtClean="0"/>
+              <a:t>Pet Sign In Web App</a:t>
+            </a:r>
             <a:endParaRPr lang="en-US" dirty="0"/>
           </a:p>
         </p:txBody>
@@ -4134,18 +3586,22 @@
           <a:bodyPr/>
           <a:lstStyle/>
           <a:p>
+            <a:r>
+              <a:rPr lang="en-US" dirty="0" smtClean="0"/>
+              <a:t>The old process</a:t>
+            </a:r>
             <a:endParaRPr lang="en-US" dirty="0"/>
           </a:p>
         </p:txBody>
       </p:sp>
       <p:sp>
         <p:nvSpPr>
-          <p:cNvPr id="3" name="Content Placeholder 2"/>
-          <p:cNvSpPr>
-            <a:spLocks noGrp="1"/>
-          </p:cNvSpPr>
-          <p:nvPr>
-            <p:ph idx="1"/>
+          <p:cNvPr id="4" name="Content Placeholder 3"/>
+          <p:cNvSpPr>
+            <a:spLocks noGrp="1"/>
+          </p:cNvSpPr>
+          <p:nvPr>
+            <p:ph sz="half" idx="1"/>
           </p:nvPr>
         </p:nvSpPr>
         <p:spPr/>
@@ -4155,16 +3611,136 @@
           <a:p>
             <a:r>
               <a:rPr lang="en-US" dirty="0" smtClean="0"/>
-              <a:t>triad</a:t>
+              <a:t>Pros</a:t>
+            </a:r>
+          </a:p>
+          <a:p>
+            <a:pPr lvl="1"/>
+            <a:r>
+              <a:rPr lang="en-US" dirty="0" smtClean="0"/>
+              <a:t>Pen and paper process.</a:t>
+            </a:r>
+          </a:p>
+          <a:p>
+            <a:pPr lvl="1"/>
+            <a:r>
+              <a:rPr lang="en-US" dirty="0" smtClean="0"/>
+              <a:t>Say hi to the receptionist.</a:t>
             </a:r>
             <a:endParaRPr lang="en-US" dirty="0"/>
           </a:p>
         </p:txBody>
       </p:sp>
+      <p:sp>
+        <p:nvSpPr>
+          <p:cNvPr id="5" name="Content Placeholder 4"/>
+          <p:cNvSpPr>
+            <a:spLocks noGrp="1"/>
+          </p:cNvSpPr>
+          <p:nvPr>
+            <p:ph sz="half" idx="2"/>
+          </p:nvPr>
+        </p:nvSpPr>
+        <p:spPr/>
+        <p:txBody>
+          <a:bodyPr/>
+          <a:lstStyle/>
+          <a:p>
+            <a:r>
+              <a:rPr lang="en-US" dirty="0" smtClean="0"/>
+              <a:t>Cons</a:t>
+            </a:r>
+          </a:p>
+          <a:p>
+            <a:pPr lvl="1"/>
+            <a:r>
+              <a:rPr lang="en-US" dirty="0" smtClean="0"/>
+              <a:t>Work in other side of building.</a:t>
+            </a:r>
+          </a:p>
+          <a:p>
+            <a:pPr lvl="1"/>
+            <a:r>
+              <a:rPr lang="en-US" dirty="0" smtClean="0"/>
+              <a:t>Long walking distance to</a:t>
+            </a:r>
+          </a:p>
+          <a:p>
+            <a:pPr lvl="1"/>
+            <a:r>
+              <a:rPr lang="en-US" dirty="0" smtClean="0"/>
+              <a:t>Forget or don’t sign in at all.</a:t>
+            </a:r>
+          </a:p>
+          <a:p>
+            <a:pPr lvl="1"/>
+            <a:r>
+              <a:rPr lang="en-US" dirty="0" smtClean="0"/>
+              <a:t>No auditing = problems = lawsuits.</a:t>
+            </a:r>
+          </a:p>
+          <a:p>
+            <a:pPr lvl="1"/>
+            <a:r>
+              <a:rPr lang="en-US" dirty="0" smtClean="0"/>
+              <a:t>Pen and paper process.</a:t>
+            </a:r>
+          </a:p>
+          <a:p>
+            <a:pPr lvl="1"/>
+            <a:r>
+              <a:rPr lang="en-US" dirty="0" smtClean="0"/>
+              <a:t>HR filing pet paper process.</a:t>
+            </a:r>
+            <a:endParaRPr lang="en-US" dirty="0"/>
+          </a:p>
+        </p:txBody>
+      </p:sp>
+      <p:pic>
+        <p:nvPicPr>
+          <p:cNvPr id="1028" name="Picture 4" descr="https://www.ssw.com.au/ssw/Standards/Rules/images%5Clengthyoperation.jpg"/>
+          <p:cNvPicPr>
+            <a:picLocks noChangeAspect="1" noChangeArrowheads="1"/>
+          </p:cNvPicPr>
+          <p:nvPr/>
+        </p:nvPicPr>
+        <p:blipFill>
+          <a:blip r:embed="rId2">
+            <a:extLst>
+              <a:ext uri="{28A0092B-C50C-407E-A947-70E740481C1C}">
+                <a14:useLocalDpi xmlns:a14="http://schemas.microsoft.com/office/drawing/2010/main" val="0"/>
+              </a:ext>
+            </a:extLst>
+          </a:blip>
+          <a:srcRect/>
+          <a:stretch>
+            <a:fillRect/>
+          </a:stretch>
+        </p:blipFill>
+        <p:spPr bwMode="auto">
+          <a:xfrm>
+            <a:off x="5848804" y="166687"/>
+            <a:ext cx="3924300" cy="1524001"/>
+          </a:xfrm>
+          <a:prstGeom prst="rect">
+            <a:avLst/>
+          </a:prstGeom>
+          <a:noFill/>
+          <a:extLst>
+            <a:ext uri="{909E8E84-426E-40DD-AFC4-6F175D3DCCD1}">
+              <a14:hiddenFill xmlns:a14="http://schemas.microsoft.com/office/drawing/2010/main">
+                <a:solidFill>
+                  <a:srgbClr val="FFFFFF"/>
+                </a:solidFill>
+              </a14:hiddenFill>
+            </a:ext>
+          </a:extLst>
+        </p:spPr>
+      </p:pic>
     </p:spTree>
     <p:extLst>
       <p:ext uri="{BB962C8B-B14F-4D97-AF65-F5344CB8AC3E}">
-        <p14:creationId xmlns:p14="http://schemas.microsoft.com/office/powerpoint/2010/main" val="739399424"/>
+        <p14:creationId xmlns:p14="http://schemas.microsoft.com/office/powerpoint/2010/main" val="832234891"/>
       </p:ext>
     </p:extLst>
   </p:cSld>
@@ -4206,13 +3782,17 @@
           <a:bodyPr/>
           <a:lstStyle/>
           <a:p>
-            <a:endParaRPr lang="en-US"/>
-          </a:p>
-        </p:txBody>
-      </p:sp>
-      <p:sp>
-        <p:nvSpPr>
-          <p:cNvPr id="3" name="Content Placeholder 2"/>
+            <a:r>
+              <a:rPr lang="en-US" dirty="0" smtClean="0"/>
+              <a:t>The new process</a:t>
+            </a:r>
+            <a:endParaRPr lang="en-US" dirty="0"/>
+          </a:p>
+        </p:txBody>
+      </p:sp>
+      <p:sp>
+        <p:nvSpPr>
+          <p:cNvPr id="5" name="Content Placeholder 4"/>
           <p:cNvSpPr>
             <a:spLocks noGrp="1"/>
           </p:cNvSpPr>
@@ -4225,14 +3805,53 @@
           <a:bodyPr/>
           <a:lstStyle/>
           <a:p>
-            <a:endParaRPr lang="en-US"/>
+            <a:r>
+              <a:rPr lang="en-US" dirty="0" smtClean="0"/>
+              <a:t>Create account.</a:t>
+            </a:r>
+          </a:p>
+          <a:p>
+            <a:pPr lvl="1"/>
+            <a:r>
+              <a:rPr lang="en-US" dirty="0" smtClean="0"/>
+              <a:t>Account approved by admin (HR).</a:t>
+            </a:r>
+          </a:p>
+          <a:p>
+            <a:r>
+              <a:rPr lang="en-US" dirty="0" smtClean="0"/>
+              <a:t>Add pet &amp; upload pet document.</a:t>
+            </a:r>
+          </a:p>
+          <a:p>
+            <a:pPr lvl="1"/>
+            <a:r>
+              <a:rPr lang="en-US" dirty="0" smtClean="0"/>
+              <a:t>Pet approved by admin (HR).</a:t>
+            </a:r>
+          </a:p>
+          <a:p>
+            <a:r>
+              <a:rPr lang="en-US" dirty="0" smtClean="0"/>
+              <a:t>Sign in.</a:t>
+            </a:r>
+          </a:p>
+          <a:p>
+            <a:pPr lvl="1"/>
+            <a:r>
+              <a:rPr lang="en-US" dirty="0" smtClean="0"/>
+              <a:t>Sign in pet.</a:t>
+            </a:r>
+          </a:p>
+          <a:p>
+            <a:endParaRPr lang="en-US" dirty="0"/>
           </a:p>
         </p:txBody>
       </p:sp>
     </p:spTree>
     <p:extLst>
       <p:ext uri="{BB962C8B-B14F-4D97-AF65-F5344CB8AC3E}">
-        <p14:creationId xmlns:p14="http://schemas.microsoft.com/office/powerpoint/2010/main" val="168404600"/>
+        <p14:creationId xmlns:p14="http://schemas.microsoft.com/office/powerpoint/2010/main" val="3712803281"/>
       </p:ext>
     </p:extLst>
   </p:cSld>
@@ -4276,7 +3895,7 @@
           <a:p>
             <a:r>
               <a:rPr lang="en-US" dirty="0" smtClean="0"/>
-              <a:t>enhancements</a:t>
+              <a:t>Integrity – Session management</a:t>
             </a:r>
             <a:endParaRPr lang="en-US" dirty="0"/>
           </a:p>
@@ -4297,14 +3916,88 @@
           <a:bodyPr/>
           <a:lstStyle/>
           <a:p>
-            <a:endParaRPr lang="en-US"/>
+            <a:r>
+              <a:rPr lang="en-US" dirty="0" smtClean="0"/>
+              <a:t>Integrity – Error Handling</a:t>
+            </a:r>
+          </a:p>
+          <a:p>
+            <a:endParaRPr lang="en-US" dirty="0"/>
           </a:p>
         </p:txBody>
       </p:sp>
     </p:spTree>
     <p:extLst>
       <p:ext uri="{BB962C8B-B14F-4D97-AF65-F5344CB8AC3E}">
-        <p14:creationId xmlns:p14="http://schemas.microsoft.com/office/powerpoint/2010/main" val="2347473079"/>
+        <p14:creationId xmlns:p14="http://schemas.microsoft.com/office/powerpoint/2010/main" val="739399424"/>
+      </p:ext>
+    </p:extLst>
+  </p:cSld>
+  <p:clrMapOvr>
+    <a:masterClrMapping/>
+  </p:clrMapOvr>
+</p:sld>
+</file>
+
+<file path=ppt/slides/slide5.xml><?xml version="1.0" encoding="utf-8"?>
+<p:sld xmlns:a="http://schemas.openxmlformats.org/drawingml/2006/main" xmlns:r="http://schemas.openxmlformats.org/officeDocument/2006/relationships" xmlns:p="http://schemas.openxmlformats.org/presentationml/2006/main">
+  <p:cSld>
+    <p:spTree>
+      <p:nvGrpSpPr>
+        <p:cNvPr id="1" name=""/>
+        <p:cNvGrpSpPr/>
+        <p:nvPr/>
+      </p:nvGrpSpPr>
+      <p:grpSpPr>
+        <a:xfrm>
+          <a:off x="0" y="0"/>
+          <a:ext cx="0" cy="0"/>
+          <a:chOff x="0" y="0"/>
+          <a:chExt cx="0" cy="0"/>
+        </a:xfrm>
+      </p:grpSpPr>
+      <p:sp>
+        <p:nvSpPr>
+          <p:cNvPr id="2" name="Title 1"/>
+          <p:cNvSpPr>
+            <a:spLocks noGrp="1"/>
+          </p:cNvSpPr>
+          <p:nvPr>
+            <p:ph type="title"/>
+          </p:nvPr>
+        </p:nvSpPr>
+        <p:spPr/>
+        <p:txBody>
+          <a:bodyPr/>
+          <a:lstStyle/>
+          <a:p>
+            <a:endParaRPr lang="en-US" dirty="0"/>
+          </a:p>
+        </p:txBody>
+      </p:sp>
+      <p:sp>
+        <p:nvSpPr>
+          <p:cNvPr id="3" name="Content Placeholder 2"/>
+          <p:cNvSpPr>
+            <a:spLocks noGrp="1"/>
+          </p:cNvSpPr>
+          <p:nvPr>
+            <p:ph idx="1"/>
+          </p:nvPr>
+        </p:nvSpPr>
+        <p:spPr/>
+        <p:txBody>
+          <a:bodyPr/>
+          <a:lstStyle/>
+          <a:p>
+            <a:endParaRPr lang="en-US"/>
+          </a:p>
+        </p:txBody>
+      </p:sp>
+    </p:spTree>
+    <p:extLst>
+      <p:ext uri="{BB962C8B-B14F-4D97-AF65-F5344CB8AC3E}">
+        <p14:creationId xmlns:p14="http://schemas.microsoft.com/office/powerpoint/2010/main" val="1369350157"/>
       </p:ext>
     </p:extLst>
   </p:cSld>
@@ -4315,9 +4008,9 @@
 </file>
 
 <file path=ppt/theme/theme1.xml><?xml version="1.0" encoding="utf-8"?>
-<a:theme xmlns:a="http://schemas.openxmlformats.org/drawingml/2006/main" name="Frame">
+<a:theme xmlns:a="http://schemas.openxmlformats.org/drawingml/2006/main" name="Office Theme">
   <a:themeElements>
-    <a:clrScheme name="Frame">
+    <a:clrScheme name="Office">
       <a:dk1>
         <a:sysClr val="windowText" lastClr="000000"/>
       </a:dk1>
@@ -4325,48 +4018,83 @@
         <a:sysClr val="window" lastClr="FFFFFF"/>
       </a:lt1>
       <a:dk2>
-        <a:srgbClr val="4E3B30"/>
+        <a:srgbClr val="44546A"/>
       </a:dk2>
       <a:lt2>
-        <a:srgbClr val="FBEEC9"/>
+        <a:srgbClr val="E7E6E6"/>
       </a:lt2>
       <a:accent1>
-        <a:srgbClr val="F0A22E"/>
+        <a:srgbClr val="5B9BD5"/>
       </a:accent1>
       <a:accent2>
-        <a:srgbClr val="A5644E"/>
+        <a:srgbClr val="ED7D31"/>
       </a:accent2>
       <a:accent3>
-        <a:srgbClr val="B58B80"/>
+        <a:srgbClr val="A5A5A5"/>
       </a:accent3>
       <a:accent4>
-        <a:srgbClr val="C3986D"/>
+        <a:srgbClr val="FFC000"/>
       </a:accent4>
       <a:accent5>
-        <a:srgbClr val="A19574"/>
+        <a:srgbClr val="4472C4"/>
       </a:accent5>
       <a:accent6>
-        <a:srgbClr val="C17529"/>
+        <a:srgbClr val="70AD47"/>
       </a:accent6>
       <a:hlink>
-        <a:srgbClr val="AD1F1F"/>
+        <a:srgbClr val="0563C1"/>
       </a:hlink>
       <a:folHlink>
-        <a:srgbClr val="FFC42F"/>
+        <a:srgbClr val="954F72"/>
       </a:folHlink>
     </a:clrScheme>
-    <a:fontScheme name="Frame">
+    <a:fontScheme name="Office">
       <a:majorFont>
-        <a:latin typeface="Corbel" panose="020B0503020204020204"/>
+        <a:latin typeface="Calibri Light" panose="020F0302020204030204"/>
         <a:ea typeface=""/>
         <a:cs typeface=""/>
-        <a:font script="Jpan" typeface="ＭＳ ゴシック"/>
-        <a:font script="Hang" typeface="HY중고딕"/>
-        <a:font script="Hans" typeface="幼圆"/>
-        <a:font script="Hant" typeface="微軟正黑體"/>
-        <a:font script="Arab" typeface="Tahoma"/>
-        <a:font script="Hebr" typeface="Gisha"/>
-        <a:font script="Thai" typeface="DilleniaUPC"/>
+        <a:font script="Jpan" typeface="ＭＳ Ｐゴシック"/>
+        <a:font script="Hang" typeface="맑은 고딕"/>
+        <a:font script="Hans" typeface="宋体"/>
+        <a:font script="Hant" typeface="新細明體"/>
+        <a:font script="Arab" typeface="Times New Roman"/>
+        <a:font script="Hebr" typeface="Times New Roman"/>
+        <a:font script="Thai" typeface="Angsana New"/>
+        <a:font script="Ethi" typeface="Nyala"/>
+        <a:font script="Beng" typeface="Vrinda"/>
+        <a:font script="Gujr" typeface="Shruti"/>
+        <a:font script="Khmr" typeface="MoolBoran"/>
+        <a:font script="Knda" typeface="Tunga"/>
+        <a:font script="Guru" typeface="Raavi"/>
+        <a:font script="Cans" typeface="Euphemia"/>
+        <a:font script="Cher" typeface="Plantagenet Cherokee"/>
+        <a:font script="Yiii" typeface="Microsoft Yi Baiti"/>
+        <a:font script="Tibt" typeface="Microsoft Himalaya"/>
+        <a:font script="Thaa" typeface="MV Boli"/>
+        <a:font script="Deva" typeface="Mangal"/>
+        <a:font script="Telu" typeface="Gautami"/>
+        <a:font script="Taml" typeface="Latha"/>
+        <a:font script="Syrc" typeface="Estrangelo Edessa"/>
+        <a:font script="Orya" typeface="Kalinga"/>
+        <a:font script="Mlym" typeface="Kartika"/>
+        <a:font script="Laoo" typeface="DokChampa"/>
+        <a:font script="Sinh" typeface="Iskoola Pota"/>
+        <a:font script="Mong" typeface="Mongolian Baiti"/>
+        <a:font script="Viet" typeface="Times New Roman"/>
+        <a:font script="Uigh" typeface="Microsoft Uighur"/>
+        <a:font script="Geor" typeface="Sylfaen"/>
+      </a:majorFont>
+      <a:minorFont>
+        <a:latin typeface="Calibri" panose="020F0502020204030204"/>
+        <a:ea typeface=""/>
+        <a:cs typeface=""/>
+        <a:font script="Jpan" typeface="ＭＳ Ｐゴシック"/>
+        <a:font script="Hang" typeface="맑은 고딕"/>
+        <a:font script="Hans" typeface="宋体"/>
+        <a:font script="Hant" typeface="新細明體"/>
+        <a:font script="Arab" typeface="Arial"/>
+        <a:font script="Hebr" typeface="Arial"/>
+        <a:font script="Thai" typeface="Cordia New"/>
         <a:font script="Ethi" typeface="Nyala"/>
         <a:font script="Beng" typeface="Vrinda"/>
         <a:font script="Gujr" typeface="Shruti"/>
@@ -4387,85 +4115,90 @@
         <a:font script="Laoo" typeface="DokChampa"/>
         <a:font script="Sinh" typeface="Iskoola Pota"/>
         <a:font script="Mong" typeface="Mongolian Baiti"/>
-        <a:font script="Viet" typeface="Tahoma"/>
-        <a:font script="Uigh" typeface="Microsoft Uighur"/>
-        <a:font script="Geor" typeface="Sylfaen"/>
-      </a:majorFont>
-      <a:minorFont>
-        <a:latin typeface="Corbel" panose="020B0503020204020204"/>
-        <a:ea typeface=""/>
-        <a:cs typeface=""/>
-        <a:font script="Jpan" typeface="ＭＳ ゴシック"/>
-        <a:font script="Hang" typeface="HY중고딕"/>
-        <a:font script="Hans" typeface="幼圆"/>
-        <a:font script="Hant" typeface="微軟正黑體"/>
-        <a:font script="Arab" typeface="Tahoma"/>
-        <a:font script="Hebr" typeface="Gisha"/>
-        <a:font script="Thai" typeface="DilleniaUPC"/>
-        <a:font script="Ethi" typeface="Nyala"/>
-        <a:font script="Beng" typeface="Vrinda"/>
-        <a:font script="Gujr" typeface="Shruti"/>
-        <a:font script="Khmr" typeface="DaunPenh"/>
-        <a:font script="Knda" typeface="Tunga"/>
-        <a:font script="Guru" typeface="Raavi"/>
-        <a:font script="Cans" typeface="Euphemia"/>
-        <a:font script="Cher" typeface="Plantagenet Cherokee"/>
-        <a:font script="Yiii" typeface="Microsoft Yi Baiti"/>
-        <a:font script="Tibt" typeface="Microsoft Himalaya"/>
-        <a:font script="Thaa" typeface="MV Boli"/>
-        <a:font script="Deva" typeface="Mangal"/>
-        <a:font script="Telu" typeface="Gautami"/>
-        <a:font script="Taml" typeface="Latha"/>
-        <a:font script="Syrc" typeface="Estrangelo Edessa"/>
-        <a:font script="Orya" typeface="Kalinga"/>
-        <a:font script="Mlym" typeface="Kartika"/>
-        <a:font script="Laoo" typeface="DokChampa"/>
-        <a:font script="Sinh" typeface="Iskoola Pota"/>
-        <a:font script="Mong" typeface="Mongolian Baiti"/>
-        <a:font script="Viet" typeface="Verdana"/>
+        <a:font script="Viet" typeface="Arial"/>
         <a:font script="Uigh" typeface="Microsoft Uighur"/>
         <a:font script="Geor" typeface="Sylfaen"/>
       </a:minorFont>
     </a:fontScheme>
-    <a:fmtScheme name="Frame">
+    <a:fmtScheme name="Office">
       <a:fillStyleLst>
         <a:solidFill>
           <a:schemeClr val="phClr"/>
         </a:solidFill>
-        <a:solidFill>
-          <a:schemeClr val="phClr">
-            <a:tint val="65000"/>
-          </a:schemeClr>
-        </a:solidFill>
-        <a:solidFill>
-          <a:schemeClr val="phClr">
-            <a:shade val="80000"/>
-            <a:satMod val="150000"/>
-          </a:schemeClr>
-        </a:solidFill>
+        <a:gradFill rotWithShape="1">
+          <a:gsLst>
+            <a:gs pos="0">
+              <a:schemeClr val="phClr">
+                <a:lumMod val="110000"/>
+                <a:satMod val="105000"/>
+                <a:tint val="67000"/>
+              </a:schemeClr>
+            </a:gs>
+            <a:gs pos="50000">
+              <a:schemeClr val="phClr">
+                <a:lumMod val="105000"/>
+                <a:satMod val="103000"/>
+                <a:tint val="73000"/>
+              </a:schemeClr>
+            </a:gs>
+            <a:gs pos="100000">
+              <a:schemeClr val="phClr">
+                <a:lumMod val="105000"/>
+                <a:satMod val="109000"/>
+                <a:tint val="81000"/>
+              </a:schemeClr>
+            </a:gs>
+          </a:gsLst>
+          <a:lin ang="5400000" scaled="0"/>
+        </a:gradFill>
+        <a:gradFill rotWithShape="1">
+          <a:gsLst>
+            <a:gs pos="0">
+              <a:schemeClr val="phClr">
+                <a:satMod val="103000"/>
+                <a:lumMod val="102000"/>
+                <a:tint val="94000"/>
+              </a:schemeClr>
+            </a:gs>
+            <a:gs pos="50000">
+              <a:schemeClr val="phClr">
+                <a:satMod val="110000"/>
+                <a:lumMod val="100000"/>
+                <a:shade val="100000"/>
+              </a:schemeClr>
+            </a:gs>
+            <a:gs pos="100000">
+              <a:schemeClr val="phClr">
+                <a:lumMod val="99000"/>
+                <a:satMod val="120000"/>
+                <a:shade val="78000"/>
+              </a:schemeClr>
+            </a:gs>
+          </a:gsLst>
+          <a:lin ang="5400000" scaled="0"/>
+        </a:gradFill>
       </a:fillStyleLst>
       <a:lnStyleLst>
-        <a:ln w="9525" cap="flat" cmpd="sng" algn="ctr">
+        <a:ln w="6350" cap="flat" cmpd="sng" algn="ctr">
           <a:solidFill>
             <a:schemeClr val="phClr"/>
           </a:solidFill>
           <a:prstDash val="solid"/>
+          <a:miter lim="800000"/>
         </a:ln>
-        <a:ln w="10795" cap="flat" cmpd="sng" algn="ctr">
+        <a:ln w="12700" cap="flat" cmpd="sng" algn="ctr">
           <a:solidFill>
             <a:schemeClr val="phClr"/>
           </a:solidFill>
           <a:prstDash val="solid"/>
+          <a:miter lim="800000"/>
         </a:ln>
-        <a:ln w="17145" cap="flat" cmpd="sng" algn="ctr">
+        <a:ln w="19050" cap="flat" cmpd="sng" algn="ctr">
           <a:solidFill>
-            <a:schemeClr val="phClr">
-              <a:shade val="95000"/>
-              <a:alpha val="50000"/>
-              <a:satMod val="150000"/>
-            </a:schemeClr>
+            <a:schemeClr val="phClr"/>
           </a:solidFill>
           <a:prstDash val="solid"/>
+          <a:miter lim="800000"/>
         </a:ln>
       </a:lnStyleLst>
       <a:effectStyleLst>
@@ -4477,21 +4210,12 @@
         </a:effectStyle>
         <a:effectStyle>
           <a:effectLst>
-            <a:outerShdw blurRad="44450" dist="13970" dir="5400000" algn="ctr" rotWithShape="0">
+            <a:outerShdw blurRad="57150" dist="19050" dir="5400000" algn="ctr" rotWithShape="0">
               <a:srgbClr val="000000">
-                <a:alpha val="45000"/>
+                <a:alpha val="63000"/>
               </a:srgbClr>
             </a:outerShdw>
           </a:effectLst>
-          <a:scene3d>
-            <a:camera prst="orthographicFront">
-              <a:rot lat="0" lon="0" rev="0"/>
-            </a:camera>
-            <a:lightRig rig="twoPt" dir="tl"/>
-          </a:scene3d>
-          <a:sp3d prstMaterial="flat">
-            <a:bevelT w="12700" h="25400" prst="coolSlant"/>
-          </a:sp3d>
         </a:effectStyle>
       </a:effectStyleLst>
       <a:bgFillStyleLst>
@@ -4509,24 +4233,23 @@
             <a:gs pos="0">
               <a:schemeClr val="phClr">
                 <a:tint val="93000"/>
+                <a:satMod val="150000"/>
                 <a:shade val="98000"/>
-                <a:satMod val="120000"/>
                 <a:lumMod val="102000"/>
               </a:schemeClr>
             </a:gs>
-            <a:gs pos="48000">
+            <a:gs pos="50000">
               <a:schemeClr val="phClr">
                 <a:tint val="98000"/>
+                <a:satMod val="130000"/>
                 <a:shade val="90000"/>
-                <a:satMod val="110000"/>
                 <a:lumMod val="103000"/>
               </a:schemeClr>
             </a:gs>
             <a:gs pos="100000">
               <a:schemeClr val="phClr">
-                <a:tint val="98000"/>
-                <a:shade val="80000"/>
-                <a:satMod val="100000"/>
+                <a:shade val="63000"/>
+                <a:satMod val="120000"/>
               </a:schemeClr>
             </a:gs>
           </a:gsLst>
@@ -4539,7 +4262,7 @@
   <a:extraClrSchemeLst/>
   <a:extLst>
     <a:ext uri="{05A4C25C-085E-4340-85A3-A5531E510DB2}">
-      <thm15:themeFamily xmlns:thm15="http://schemas.microsoft.com/office/thememl/2012/main" name="Frame" id="{F226E7A2-7162-461C-9490-D27D9DC04E43}" vid="{39D77354-939E-4A26-AE51-B3F9618B14B7}"/>
+      <thm15:themeFamily xmlns:thm15="http://schemas.microsoft.com/office/thememl/2012/main" name="Office Theme" id="{62F939B6-93AF-4DB8-9C6B-D6C7DFDC589F}" vid="{4A3C46E8-61CC-4603-A589-7422A47A8E4A}"/>
     </a:ext>
   </a:extLst>
 </a:theme>
